--- a/MySpring/代理模式.pptx
+++ b/MySpring/代理模式.pptx
@@ -6,9 +6,11 @@
   </p:sldMasterIdLst>
   <p:sldIdLst>
     <p:sldId id="256" r:id="rId2"/>
-    <p:sldId id="257" r:id="rId3"/>
-    <p:sldId id="258" r:id="rId4"/>
-    <p:sldId id="259" r:id="rId5"/>
+    <p:sldId id="260" r:id="rId3"/>
+    <p:sldId id="261" r:id="rId4"/>
+    <p:sldId id="257" r:id="rId5"/>
+    <p:sldId id="258" r:id="rId6"/>
+    <p:sldId id="259" r:id="rId7"/>
   </p:sldIdLst>
   <p:sldSz cx="12192000" cy="6858000"/>
   <p:notesSz cx="6858000" cy="9144000"/>
@@ -107,6 +109,11 @@
       </a:defRPr>
     </a:lvl9pPr>
   </p:defaultTextStyle>
+  <p:extLst>
+    <p:ext uri="{EFAFB233-063F-42B5-8137-9DF3F51BA10A}">
+      <p15:sldGuideLst xmlns:p15="http://schemas.microsoft.com/office/powerpoint/2012/main"/>
+    </p:ext>
+  </p:extLst>
 </p:presentation>
 </file>
 
@@ -241,7 +248,7 @@
           <a:p>
             <a:fld id="{CA3E1685-E682-4FB0-985A-A9B25B9EC5DA}" type="datetimeFigureOut">
               <a:rPr lang="zh-CN" altLang="en-US" smtClean="0"/>
-              <a:t>2017/8/20</a:t>
+              <a:t>2017/8/21</a:t>
             </a:fld>
             <a:endParaRPr lang="zh-CN" altLang="en-US"/>
           </a:p>
@@ -411,7 +418,7 @@
           <a:p>
             <a:fld id="{CA3E1685-E682-4FB0-985A-A9B25B9EC5DA}" type="datetimeFigureOut">
               <a:rPr lang="zh-CN" altLang="en-US" smtClean="0"/>
-              <a:t>2017/8/20</a:t>
+              <a:t>2017/8/21</a:t>
             </a:fld>
             <a:endParaRPr lang="zh-CN" altLang="en-US"/>
           </a:p>
@@ -591,7 +598,7 @@
           <a:p>
             <a:fld id="{CA3E1685-E682-4FB0-985A-A9B25B9EC5DA}" type="datetimeFigureOut">
               <a:rPr lang="zh-CN" altLang="en-US" smtClean="0"/>
-              <a:t>2017/8/20</a:t>
+              <a:t>2017/8/21</a:t>
             </a:fld>
             <a:endParaRPr lang="zh-CN" altLang="en-US"/>
           </a:p>
@@ -761,7 +768,7 @@
           <a:p>
             <a:fld id="{CA3E1685-E682-4FB0-985A-A9B25B9EC5DA}" type="datetimeFigureOut">
               <a:rPr lang="zh-CN" altLang="en-US" smtClean="0"/>
-              <a:t>2017/8/20</a:t>
+              <a:t>2017/8/21</a:t>
             </a:fld>
             <a:endParaRPr lang="zh-CN" altLang="en-US"/>
           </a:p>
@@ -1007,7 +1014,7 @@
           <a:p>
             <a:fld id="{CA3E1685-E682-4FB0-985A-A9B25B9EC5DA}" type="datetimeFigureOut">
               <a:rPr lang="zh-CN" altLang="en-US" smtClean="0"/>
-              <a:t>2017/8/20</a:t>
+              <a:t>2017/8/21</a:t>
             </a:fld>
             <a:endParaRPr lang="zh-CN" altLang="en-US"/>
           </a:p>
@@ -1239,7 +1246,7 @@
           <a:p>
             <a:fld id="{CA3E1685-E682-4FB0-985A-A9B25B9EC5DA}" type="datetimeFigureOut">
               <a:rPr lang="zh-CN" altLang="en-US" smtClean="0"/>
-              <a:t>2017/8/20</a:t>
+              <a:t>2017/8/21</a:t>
             </a:fld>
             <a:endParaRPr lang="zh-CN" altLang="en-US"/>
           </a:p>
@@ -1606,7 +1613,7 @@
           <a:p>
             <a:fld id="{CA3E1685-E682-4FB0-985A-A9B25B9EC5DA}" type="datetimeFigureOut">
               <a:rPr lang="zh-CN" altLang="en-US" smtClean="0"/>
-              <a:t>2017/8/20</a:t>
+              <a:t>2017/8/21</a:t>
             </a:fld>
             <a:endParaRPr lang="zh-CN" altLang="en-US"/>
           </a:p>
@@ -1724,7 +1731,7 @@
           <a:p>
             <a:fld id="{CA3E1685-E682-4FB0-985A-A9B25B9EC5DA}" type="datetimeFigureOut">
               <a:rPr lang="zh-CN" altLang="en-US" smtClean="0"/>
-              <a:t>2017/8/20</a:t>
+              <a:t>2017/8/21</a:t>
             </a:fld>
             <a:endParaRPr lang="zh-CN" altLang="en-US"/>
           </a:p>
@@ -1819,7 +1826,7 @@
           <a:p>
             <a:fld id="{CA3E1685-E682-4FB0-985A-A9B25B9EC5DA}" type="datetimeFigureOut">
               <a:rPr lang="zh-CN" altLang="en-US" smtClean="0"/>
-              <a:t>2017/8/20</a:t>
+              <a:t>2017/8/21</a:t>
             </a:fld>
             <a:endParaRPr lang="zh-CN" altLang="en-US"/>
           </a:p>
@@ -2096,7 +2103,7 @@
           <a:p>
             <a:fld id="{CA3E1685-E682-4FB0-985A-A9B25B9EC5DA}" type="datetimeFigureOut">
               <a:rPr lang="zh-CN" altLang="en-US" smtClean="0"/>
-              <a:t>2017/8/20</a:t>
+              <a:t>2017/8/21</a:t>
             </a:fld>
             <a:endParaRPr lang="zh-CN" altLang="en-US"/>
           </a:p>
@@ -2349,7 +2356,7 @@
           <a:p>
             <a:fld id="{CA3E1685-E682-4FB0-985A-A9B25B9EC5DA}" type="datetimeFigureOut">
               <a:rPr lang="zh-CN" altLang="en-US" smtClean="0"/>
-              <a:t>2017/8/20</a:t>
+              <a:t>2017/8/21</a:t>
             </a:fld>
             <a:endParaRPr lang="zh-CN" altLang="en-US"/>
           </a:p>
@@ -2562,7 +2569,7 @@
           <a:p>
             <a:fld id="{CA3E1685-E682-4FB0-985A-A9B25B9EC5DA}" type="datetimeFigureOut">
               <a:rPr lang="zh-CN" altLang="en-US" smtClean="0"/>
-              <a:t>2017/8/20</a:t>
+              <a:t>2017/8/21</a:t>
             </a:fld>
             <a:endParaRPr lang="zh-CN" altLang="en-US"/>
           </a:p>
@@ -3024,22 +3031,11 @@
                   </a:schemeClr>
                 </a:solidFill>
               </a:rPr>
-              <a:t>Fan</a:t>
+              <a:t>Security</a:t>
             </a:r>
           </a:p>
           <a:p>
             <a:pPr algn="ctr"/>
-            <a:r>
-              <a:rPr lang="en-US" altLang="zh-CN" sz="1400" dirty="0">
-                <a:solidFill>
-                  <a:schemeClr val="tx1">
-                    <a:lumMod val="95000"/>
-                    <a:lumOff val="5000"/>
-                  </a:schemeClr>
-                </a:solidFill>
-              </a:rPr>
-              <a:t>b</a:t>
-            </a:r>
             <a:r>
               <a:rPr lang="en-US" altLang="zh-CN" sz="1400" dirty="0" smtClean="0">
                 <a:solidFill>
@@ -3049,7 +3045,7 @@
                   </a:schemeClr>
                 </a:solidFill>
               </a:rPr>
-              <a:t>uy()</a:t>
+              <a:t>pass()</a:t>
             </a:r>
             <a:endParaRPr lang="zh-CN" altLang="en-US" sz="1400" dirty="0">
               <a:solidFill>
@@ -3097,7 +3093,7 @@
           <a:p>
             <a:pPr algn="ctr"/>
             <a:r>
-              <a:rPr lang="en-US" altLang="zh-CN" dirty="0" smtClean="0">
+              <a:rPr lang="en-US" altLang="zh-CN" sz="1600" b="1" dirty="0">
                 <a:solidFill>
                   <a:schemeClr val="tx1">
                     <a:lumMod val="95000"/>
@@ -3105,13 +3101,13 @@
                   </a:schemeClr>
                 </a:solidFill>
               </a:rPr>
-              <a:t>RealFan</a:t>
+              <a:t>Passenger</a:t>
             </a:r>
           </a:p>
           <a:p>
             <a:pPr algn="ctr"/>
             <a:r>
-              <a:rPr lang="en-US" altLang="zh-CN" dirty="0" smtClean="0">
+              <a:rPr lang="en-US" altLang="zh-CN" sz="1600" b="1" dirty="0">
                 <a:solidFill>
                   <a:schemeClr val="tx1">
                     <a:lumMod val="95000"/>
@@ -3119,9 +3115,9 @@
                   </a:schemeClr>
                 </a:solidFill>
               </a:rPr>
-              <a:t>buy()</a:t>
-            </a:r>
-            <a:endParaRPr lang="zh-CN" altLang="en-US" dirty="0">
+              <a:t>pass()</a:t>
+            </a:r>
+            <a:endParaRPr lang="zh-CN" altLang="en-US" sz="1600" b="1" dirty="0">
               <a:solidFill>
                 <a:schemeClr val="tx1">
                   <a:lumMod val="95000"/>
@@ -3178,7 +3174,7 @@
           <a:p>
             <a:pPr algn="ctr"/>
             <a:r>
-              <a:rPr lang="en-US" altLang="zh-CN" dirty="0" smtClean="0">
+              <a:rPr lang="en-US" altLang="zh-CN" sz="1600" b="1" dirty="0">
                 <a:solidFill>
                   <a:schemeClr val="tx1">
                     <a:lumMod val="95000"/>
@@ -3186,13 +3182,21 @@
                   </a:schemeClr>
                 </a:solidFill>
               </a:rPr>
-              <a:t>TicketScalper</a:t>
-            </a:r>
+              <a:t>SubwaySecurity</a:t>
+            </a:r>
+            <a:endParaRPr lang="en-US" altLang="zh-CN" sz="1600" b="1" dirty="0">
+              <a:solidFill>
+                <a:schemeClr val="tx1">
+                  <a:lumMod val="95000"/>
+                  <a:lumOff val="5000"/>
+                </a:schemeClr>
+              </a:solidFill>
+            </a:endParaRPr>
           </a:p>
           <a:p>
             <a:pPr algn="ctr"/>
             <a:r>
-              <a:rPr lang="en-US" altLang="zh-CN" dirty="0" smtClean="0">
+              <a:rPr lang="en-US" altLang="zh-CN" sz="1600" b="1" dirty="0">
                 <a:solidFill>
                   <a:schemeClr val="tx1">
                     <a:lumMod val="95000"/>
@@ -3200,9 +3204,20 @@
                   </a:schemeClr>
                 </a:solidFill>
               </a:rPr>
-              <a:t>buy()</a:t>
-            </a:r>
-            <a:endParaRPr lang="zh-CN" altLang="en-US" dirty="0" smtClean="0">
+              <a:t>pass</a:t>
+            </a:r>
+            <a:r>
+              <a:rPr lang="en-US" altLang="zh-CN" sz="1600" b="1" dirty="0">
+                <a:solidFill>
+                  <a:schemeClr val="tx1">
+                    <a:lumMod val="95000"/>
+                    <a:lumOff val="5000"/>
+                  </a:schemeClr>
+                </a:solidFill>
+              </a:rPr>
+              <a:t>()</a:t>
+            </a:r>
+            <a:endParaRPr lang="zh-CN" altLang="en-US" sz="1600" b="1" dirty="0">
               <a:solidFill>
                 <a:schemeClr val="tx1">
                   <a:lumMod val="95000"/>
@@ -3367,6 +3382,66 @@
               </a:rPr>
               <a:t>代理</a:t>
             </a:r>
+          </a:p>
+        </p:txBody>
+      </p:sp>
+      <p:sp>
+        <p:nvSpPr>
+          <p:cNvPr id="9" name="文本框 8"/>
+          <p:cNvSpPr txBox="1"/>
+          <p:nvPr/>
+        </p:nvSpPr>
+        <p:spPr>
+          <a:xfrm>
+            <a:off x="1134982" y="2454080"/>
+            <a:ext cx="1138989" cy="369332"/>
+          </a:xfrm>
+          <a:prstGeom prst="rect">
+            <a:avLst/>
+          </a:prstGeom>
+          <a:noFill/>
+        </p:spPr>
+        <p:txBody>
+          <a:bodyPr wrap="square" rtlCol="0">
+            <a:spAutoFit/>
+          </a:bodyPr>
+          <a:lstStyle/>
+          <a:p>
+            <a:r>
+              <a:rPr lang="zh-CN" altLang="en-US" dirty="0" smtClean="0"/>
+              <a:t>实现</a:t>
+            </a:r>
+            <a:endParaRPr lang="zh-CN" altLang="en-US" dirty="0"/>
+          </a:p>
+        </p:txBody>
+      </p:sp>
+      <p:sp>
+        <p:nvSpPr>
+          <p:cNvPr id="11" name="文本框 10"/>
+          <p:cNvSpPr txBox="1"/>
+          <p:nvPr/>
+        </p:nvSpPr>
+        <p:spPr>
+          <a:xfrm>
+            <a:off x="3398919" y="2462282"/>
+            <a:ext cx="1138989" cy="369332"/>
+          </a:xfrm>
+          <a:prstGeom prst="rect">
+            <a:avLst/>
+          </a:prstGeom>
+          <a:noFill/>
+        </p:spPr>
+        <p:txBody>
+          <a:bodyPr wrap="square" rtlCol="0">
+            <a:spAutoFit/>
+          </a:bodyPr>
+          <a:lstStyle/>
+          <a:p>
+            <a:r>
+              <a:rPr lang="zh-CN" altLang="en-US" dirty="0" smtClean="0"/>
+              <a:t>实现</a:t>
+            </a:r>
+            <a:endParaRPr lang="zh-CN" altLang="en-US" dirty="0"/>
           </a:p>
         </p:txBody>
       </p:sp>
@@ -3408,24 +3483,22 @@
         </p:nvSpPr>
         <p:spPr>
           <a:xfrm>
-            <a:off x="5975683" y="416092"/>
-            <a:ext cx="2053389" cy="794084"/>
+            <a:off x="4440654" y="601579"/>
+            <a:ext cx="1532021" cy="673769"/>
           </a:xfrm>
           <a:prstGeom prst="roundRect">
             <a:avLst/>
           </a:prstGeom>
         </p:spPr>
         <p:style>
-          <a:lnRef idx="2">
-            <a:schemeClr val="accent2">
-              <a:shade val="50000"/>
-            </a:schemeClr>
+          <a:lnRef idx="0">
+            <a:schemeClr val="accent1"/>
           </a:lnRef>
-          <a:fillRef idx="1">
-            <a:schemeClr val="accent2"/>
+          <a:fillRef idx="3">
+            <a:schemeClr val="accent1"/>
           </a:fillRef>
-          <a:effectRef idx="0">
-            <a:schemeClr val="accent2"/>
+          <a:effectRef idx="3">
+            <a:schemeClr val="accent1"/>
           </a:effectRef>
           <a:fontRef idx="minor">
             <a:schemeClr val="lt1"/>
@@ -3437,46 +3510,79 @@
           <a:p>
             <a:pPr algn="ctr"/>
             <a:r>
-              <a:rPr lang="en-US" altLang="zh-CN" dirty="0" smtClean="0"/>
-              <a:t>Proxy</a:t>
+              <a:rPr lang="en-US" altLang="zh-CN" sz="1400" dirty="0" smtClean="0">
+                <a:solidFill>
+                  <a:schemeClr val="tx1">
+                    <a:lumMod val="95000"/>
+                    <a:lumOff val="5000"/>
+                  </a:schemeClr>
+                </a:solidFill>
+              </a:rPr>
+              <a:t>&lt;&lt;interface&gt;&gt;</a:t>
             </a:r>
           </a:p>
           <a:p>
             <a:pPr algn="ctr"/>
             <a:r>
-              <a:rPr lang="en-US" altLang="zh-CN" dirty="0" smtClean="0"/>
-              <a:t>.newProxyInstace()</a:t>
-            </a:r>
-            <a:endParaRPr lang="zh-CN" altLang="en-US" dirty="0"/>
-          </a:p>
-        </p:txBody>
-      </p:sp>
-      <p:sp>
-        <p:nvSpPr>
-          <p:cNvPr id="5" name="圆角矩形 4"/>
+              <a:rPr lang="en-US" altLang="zh-CN" sz="1400" dirty="0" smtClean="0">
+                <a:solidFill>
+                  <a:schemeClr val="tx1">
+                    <a:lumMod val="95000"/>
+                    <a:lumOff val="5000"/>
+                  </a:schemeClr>
+                </a:solidFill>
+              </a:rPr>
+              <a:t>Security</a:t>
+            </a:r>
+          </a:p>
+          <a:p>
+            <a:pPr algn="ctr"/>
+            <a:r>
+              <a:rPr lang="en-US" altLang="zh-CN" sz="1400" dirty="0" smtClean="0">
+                <a:solidFill>
+                  <a:schemeClr val="tx1">
+                    <a:lumMod val="95000"/>
+                    <a:lumOff val="5000"/>
+                  </a:schemeClr>
+                </a:solidFill>
+              </a:rPr>
+              <a:t>pass()</a:t>
+            </a:r>
+            <a:endParaRPr lang="zh-CN" altLang="en-US" sz="1400" dirty="0">
+              <a:solidFill>
+                <a:schemeClr val="tx1">
+                  <a:lumMod val="95000"/>
+                  <a:lumOff val="5000"/>
+                </a:schemeClr>
+              </a:solidFill>
+            </a:endParaRPr>
+          </a:p>
+        </p:txBody>
+      </p:sp>
+      <p:sp>
+        <p:nvSpPr>
+          <p:cNvPr id="5" name="矩形 4"/>
           <p:cNvSpPr/>
           <p:nvPr/>
         </p:nvSpPr>
         <p:spPr>
           <a:xfrm>
-            <a:off x="2598822" y="397041"/>
-            <a:ext cx="2053388" cy="794084"/>
-          </a:xfrm>
-          <a:prstGeom prst="roundRect">
+            <a:off x="336884" y="3539099"/>
+            <a:ext cx="1796716" cy="794085"/>
+          </a:xfrm>
+          <a:prstGeom prst="rect">
             <a:avLst/>
           </a:prstGeom>
         </p:spPr>
         <p:style>
-          <a:lnRef idx="2">
-            <a:schemeClr val="accent2">
-              <a:shade val="50000"/>
-            </a:schemeClr>
+          <a:lnRef idx="0">
+            <a:schemeClr val="accent6"/>
           </a:lnRef>
-          <a:fillRef idx="1">
-            <a:schemeClr val="accent2"/>
+          <a:fillRef idx="3">
+            <a:schemeClr val="accent6"/>
           </a:fillRef>
-          <a:effectRef idx="0">
-            <a:schemeClr val="accent2"/>
+          <a:effectRef idx="3">
+            <a:schemeClr val="accent6"/>
           </a:effectRef>
           <a:fontRef idx="minor">
             <a:schemeClr val="lt1"/>
@@ -3488,46 +3594,65 @@
           <a:p>
             <a:pPr algn="ctr"/>
             <a:r>
-              <a:rPr lang="en-US" altLang="zh-CN" dirty="0" smtClean="0"/>
-              <a:t>cons</a:t>
+              <a:rPr lang="en-US" altLang="zh-CN" sz="1600" b="1" dirty="0">
+                <a:solidFill>
+                  <a:schemeClr val="tx1">
+                    <a:lumMod val="95000"/>
+                    <a:lumOff val="5000"/>
+                  </a:schemeClr>
+                </a:solidFill>
+              </a:rPr>
+              <a:t>Passenger</a:t>
             </a:r>
           </a:p>
           <a:p>
             <a:pPr algn="ctr"/>
             <a:r>
-              <a:rPr lang="en-US" altLang="zh-CN" dirty="0" smtClean="0"/>
-              <a:t>.newInstance(h)</a:t>
-            </a:r>
-            <a:endParaRPr lang="zh-CN" altLang="en-US" dirty="0"/>
-          </a:p>
-        </p:txBody>
-      </p:sp>
-      <p:sp>
-        <p:nvSpPr>
-          <p:cNvPr id="6" name="圆角矩形 5"/>
+              <a:rPr lang="en-US" altLang="zh-CN" sz="1600" b="1" dirty="0">
+                <a:solidFill>
+                  <a:schemeClr val="tx1">
+                    <a:lumMod val="95000"/>
+                    <a:lumOff val="5000"/>
+                  </a:schemeClr>
+                </a:solidFill>
+              </a:rPr>
+              <a:t>pass()</a:t>
+            </a:r>
+            <a:endParaRPr lang="zh-CN" altLang="en-US" sz="1600" b="1" dirty="0">
+              <a:solidFill>
+                <a:schemeClr val="tx1">
+                  <a:lumMod val="95000"/>
+                  <a:lumOff val="5000"/>
+                </a:schemeClr>
+              </a:solidFill>
+            </a:endParaRPr>
+          </a:p>
+        </p:txBody>
+      </p:sp>
+      <p:sp>
+        <p:nvSpPr>
+          <p:cNvPr id="6" name="矩形 5"/>
           <p:cNvSpPr/>
           <p:nvPr/>
         </p:nvSpPr>
         <p:spPr>
           <a:xfrm>
-            <a:off x="9649326" y="416092"/>
-            <a:ext cx="2053388" cy="794084"/>
-          </a:xfrm>
-          <a:prstGeom prst="roundRect">
+            <a:off x="3070057" y="3511388"/>
+            <a:ext cx="1796716" cy="821796"/>
+          </a:xfrm>
+          <a:prstGeom prst="rect">
             <a:avLst/>
           </a:prstGeom>
         </p:spPr>
         <p:style>
-          <a:lnRef idx="2">
-            <a:schemeClr val="accent1">
-              <a:shade val="50000"/>
-            </a:schemeClr>
+          <a:lnRef idx="0">
+            <a:schemeClr val="accent4"/>
           </a:lnRef>
-          <a:fillRef idx="1">
-            <a:schemeClr val="accent1"/>
+          <a:fillRef idx="3">
+            <a:schemeClr val="accent4"/>
           </a:fillRef>
-          <a:effectRef idx="0">
-            <a:schemeClr val="accent1"/>
+          <a:effectRef idx="3">
+            <a:schemeClr val="accent4"/>
           </a:effectRef>
           <a:fontRef idx="minor">
             <a:schemeClr val="lt1"/>
@@ -3538,275 +3663,102 @@
           <a:lstStyle/>
           <a:p>
             <a:pPr algn="ctr"/>
-            <a:r>
-              <a:rPr lang="en-US" altLang="zh-CN" dirty="0" smtClean="0"/>
-              <a:t>$Proxy0</a:t>
-            </a:r>
-            <a:r>
-              <a:rPr lang="zh-CN" altLang="en-US" dirty="0" smtClean="0"/>
-              <a:t>对象</a:t>
-            </a:r>
-            <a:endParaRPr lang="zh-CN" altLang="en-US" dirty="0"/>
-          </a:p>
-        </p:txBody>
-      </p:sp>
-      <p:sp>
-        <p:nvSpPr>
-          <p:cNvPr id="7" name="圆角矩形 6"/>
-          <p:cNvSpPr/>
-          <p:nvPr/>
-        </p:nvSpPr>
-        <p:spPr>
-          <a:xfrm>
-            <a:off x="2590801" y="5654845"/>
-            <a:ext cx="2053388" cy="794084"/>
-          </a:xfrm>
-          <a:prstGeom prst="roundRect">
-            <a:avLst/>
-          </a:prstGeom>
-        </p:spPr>
-        <p:style>
-          <a:lnRef idx="2">
-            <a:schemeClr val="accent2">
-              <a:shade val="50000"/>
-            </a:schemeClr>
-          </a:lnRef>
-          <a:fillRef idx="1">
-            <a:schemeClr val="accent2"/>
-          </a:fillRef>
-          <a:effectRef idx="0">
-            <a:schemeClr val="accent2"/>
-          </a:effectRef>
-          <a:fontRef idx="minor">
-            <a:schemeClr val="lt1"/>
-          </a:fontRef>
-        </p:style>
-        <p:txBody>
-          <a:bodyPr rtlCol="0" anchor="ctr"/>
-          <a:lstStyle/>
+            <a:endParaRPr lang="en-US" altLang="zh-CN" dirty="0" smtClean="0">
+              <a:solidFill>
+                <a:schemeClr val="tx1">
+                  <a:lumMod val="95000"/>
+                  <a:lumOff val="5000"/>
+                </a:schemeClr>
+              </a:solidFill>
+            </a:endParaRPr>
+          </a:p>
           <a:p>
             <a:pPr algn="ctr"/>
             <a:r>
-              <a:rPr lang="en-US" altLang="zh-CN" dirty="0" smtClean="0"/>
-              <a:t>ProxyGenerator</a:t>
-            </a:r>
+              <a:rPr lang="en-US" altLang="zh-CN" sz="1600" b="1" dirty="0">
+                <a:solidFill>
+                  <a:schemeClr val="tx1">
+                    <a:lumMod val="95000"/>
+                    <a:lumOff val="5000"/>
+                  </a:schemeClr>
+                </a:solidFill>
+              </a:rPr>
+              <a:t>SubwaySecurity</a:t>
+            </a:r>
+            <a:endParaRPr lang="en-US" altLang="zh-CN" sz="1600" b="1" dirty="0">
+              <a:solidFill>
+                <a:schemeClr val="tx1">
+                  <a:lumMod val="95000"/>
+                  <a:lumOff val="5000"/>
+                </a:schemeClr>
+              </a:solidFill>
+            </a:endParaRPr>
           </a:p>
           <a:p>
             <a:pPr algn="ctr"/>
             <a:r>
-              <a:rPr lang="en-US" altLang="zh-CN" dirty="0" smtClean="0"/>
-              <a:t>.generateProxyClass()</a:t>
-            </a:r>
-            <a:endParaRPr lang="zh-CN" altLang="en-US" dirty="0"/>
-          </a:p>
-        </p:txBody>
-      </p:sp>
-      <p:sp>
-        <p:nvSpPr>
-          <p:cNvPr id="9" name="圆角矩形 8"/>
-          <p:cNvSpPr/>
-          <p:nvPr/>
-        </p:nvSpPr>
-        <p:spPr>
-          <a:xfrm>
-            <a:off x="2590801" y="1509965"/>
-            <a:ext cx="2053388" cy="794084"/>
-          </a:xfrm>
-          <a:prstGeom prst="roundRect">
-            <a:avLst/>
-          </a:prstGeom>
-        </p:spPr>
-        <p:style>
-          <a:lnRef idx="2">
-            <a:schemeClr val="accent2">
-              <a:shade val="50000"/>
-            </a:schemeClr>
-          </a:lnRef>
-          <a:fillRef idx="1">
-            <a:schemeClr val="accent2"/>
-          </a:fillRef>
-          <a:effectRef idx="0">
-            <a:schemeClr val="accent2"/>
-          </a:effectRef>
-          <a:fontRef idx="minor">
-            <a:schemeClr val="lt1"/>
-          </a:fontRef>
-        </p:style>
-        <p:txBody>
-          <a:bodyPr rtlCol="0" anchor="ctr"/>
-          <a:lstStyle/>
+              <a:rPr lang="en-US" altLang="zh-CN" sz="1600" b="1" dirty="0">
+                <a:solidFill>
+                  <a:schemeClr val="tx1">
+                    <a:lumMod val="95000"/>
+                    <a:lumOff val="5000"/>
+                  </a:schemeClr>
+                </a:solidFill>
+              </a:rPr>
+              <a:t>pass</a:t>
+            </a:r>
+            <a:r>
+              <a:rPr lang="en-US" altLang="zh-CN" sz="1600" b="1" dirty="0">
+                <a:solidFill>
+                  <a:schemeClr val="tx1">
+                    <a:lumMod val="95000"/>
+                    <a:lumOff val="5000"/>
+                  </a:schemeClr>
+                </a:solidFill>
+              </a:rPr>
+              <a:t>()</a:t>
+            </a:r>
+            <a:endParaRPr lang="zh-CN" altLang="en-US" sz="1600" b="1" dirty="0">
+              <a:solidFill>
+                <a:schemeClr val="tx1">
+                  <a:lumMod val="95000"/>
+                  <a:lumOff val="5000"/>
+                </a:schemeClr>
+              </a:solidFill>
+            </a:endParaRPr>
+          </a:p>
           <a:p>
             <a:pPr algn="ctr"/>
-            <a:r>
-              <a:rPr lang="en-US" altLang="zh-CN" dirty="0" smtClean="0"/>
-              <a:t>Class&lt;?&gt; = getProxyClass0()</a:t>
-            </a:r>
-            <a:endParaRPr lang="zh-CN" altLang="en-US" dirty="0"/>
-          </a:p>
-        </p:txBody>
-      </p:sp>
-      <p:sp>
-        <p:nvSpPr>
-          <p:cNvPr id="11" name="圆角矩形 10"/>
-          <p:cNvSpPr/>
-          <p:nvPr/>
-        </p:nvSpPr>
-        <p:spPr>
-          <a:xfrm>
-            <a:off x="433139" y="4660232"/>
-            <a:ext cx="2053389" cy="794084"/>
-          </a:xfrm>
-          <a:prstGeom prst="roundRect">
-            <a:avLst/>
-          </a:prstGeom>
-        </p:spPr>
-        <p:style>
-          <a:lnRef idx="2">
-            <a:schemeClr val="accent1">
-              <a:shade val="50000"/>
-            </a:schemeClr>
-          </a:lnRef>
-          <a:fillRef idx="1">
-            <a:schemeClr val="accent1"/>
-          </a:fillRef>
-          <a:effectRef idx="0">
-            <a:schemeClr val="accent1"/>
-          </a:effectRef>
-          <a:fontRef idx="minor">
-            <a:schemeClr val="lt1"/>
-          </a:fontRef>
-        </p:style>
-        <p:txBody>
-          <a:bodyPr rtlCol="0" anchor="ctr"/>
-          <a:lstStyle/>
-          <a:p>
-            <a:pPr algn="ctr"/>
-            <a:r>
-              <a:rPr lang="en-US" altLang="zh-CN" dirty="0" smtClean="0"/>
-              <a:t>byte[] </a:t>
-            </a:r>
-            <a:r>
-              <a:rPr lang="en-US" altLang="zh-CN" dirty="0" err="1" smtClean="0"/>
-              <a:t>proxyClassFile</a:t>
-            </a:r>
-            <a:endParaRPr lang="zh-CN" altLang="en-US" dirty="0"/>
-          </a:p>
-        </p:txBody>
-      </p:sp>
-      <p:sp>
-        <p:nvSpPr>
-          <p:cNvPr id="18" name="圆角矩形 17"/>
-          <p:cNvSpPr/>
-          <p:nvPr/>
-        </p:nvSpPr>
-        <p:spPr>
-          <a:xfrm>
-            <a:off x="2590801" y="4098760"/>
-            <a:ext cx="2053388" cy="794084"/>
-          </a:xfrm>
-          <a:prstGeom prst="roundRect">
-            <a:avLst/>
-          </a:prstGeom>
-        </p:spPr>
-        <p:style>
-          <a:lnRef idx="2">
-            <a:schemeClr val="accent2">
-              <a:shade val="50000"/>
-            </a:schemeClr>
-          </a:lnRef>
-          <a:fillRef idx="1">
-            <a:schemeClr val="accent2"/>
-          </a:fillRef>
-          <a:effectRef idx="0">
-            <a:schemeClr val="accent2"/>
-          </a:effectRef>
-          <a:fontRef idx="minor">
-            <a:schemeClr val="lt1"/>
-          </a:fontRef>
-        </p:style>
-        <p:txBody>
-          <a:bodyPr rtlCol="0" anchor="ctr"/>
-          <a:lstStyle/>
-          <a:p>
-            <a:pPr algn="ctr"/>
-            <a:r>
-              <a:rPr lang="en-US" altLang="zh-CN" dirty="0" smtClean="0"/>
-              <a:t>defineClass0()</a:t>
-            </a:r>
-            <a:endParaRPr lang="zh-CN" altLang="en-US" dirty="0"/>
-          </a:p>
-        </p:txBody>
-      </p:sp>
-      <p:sp>
-        <p:nvSpPr>
-          <p:cNvPr id="22" name="圆角矩形 21"/>
-          <p:cNvSpPr/>
-          <p:nvPr/>
-        </p:nvSpPr>
-        <p:spPr>
-          <a:xfrm>
-            <a:off x="2566739" y="2827422"/>
-            <a:ext cx="2053388" cy="794084"/>
-          </a:xfrm>
-          <a:prstGeom prst="roundRect">
-            <a:avLst/>
-          </a:prstGeom>
-        </p:spPr>
-        <p:style>
-          <a:lnRef idx="2">
-            <a:schemeClr val="accent2">
-              <a:shade val="50000"/>
-            </a:schemeClr>
-          </a:lnRef>
-          <a:fillRef idx="1">
-            <a:schemeClr val="accent2"/>
-          </a:fillRef>
-          <a:effectRef idx="0">
-            <a:schemeClr val="accent2"/>
-          </a:effectRef>
-          <a:fontRef idx="minor">
-            <a:schemeClr val="lt1"/>
-          </a:fontRef>
-        </p:style>
-        <p:txBody>
-          <a:bodyPr rtlCol="0" anchor="ctr"/>
-          <a:lstStyle/>
-          <a:p>
-            <a:pPr algn="ctr"/>
-            <a:r>
-              <a:rPr lang="en-US" altLang="zh-CN" dirty="0" smtClean="0"/>
-              <a:t>ProxyClassFactory</a:t>
-            </a:r>
-            <a:endParaRPr lang="en-US" altLang="zh-CN" dirty="0"/>
-          </a:p>
-          <a:p>
-            <a:pPr algn="ctr"/>
-            <a:r>
-              <a:rPr lang="en-US" altLang="zh-CN" dirty="0" smtClean="0"/>
-              <a:t>.apply()</a:t>
-            </a:r>
-            <a:endParaRPr lang="zh-CN" altLang="en-US" dirty="0"/>
+            <a:endParaRPr lang="zh-CN" altLang="en-US" dirty="0">
+              <a:solidFill>
+                <a:schemeClr val="tx1">
+                  <a:lumMod val="95000"/>
+                  <a:lumOff val="5000"/>
+                </a:schemeClr>
+              </a:solidFill>
+            </a:endParaRPr>
           </a:p>
         </p:txBody>
       </p:sp>
       <p:cxnSp>
         <p:nvCxnSpPr>
-          <p:cNvPr id="24" name="直接箭头连接符 23"/>
+          <p:cNvPr id="8" name="直接箭头连接符 7"/>
           <p:cNvCxnSpPr>
-            <a:stCxn id="4" idx="3"/>
-            <a:endCxn id="6" idx="1"/>
+            <a:stCxn id="5" idx="0"/>
+            <a:endCxn id="4" idx="2"/>
           </p:cNvCxnSpPr>
           <p:nvPr/>
         </p:nvCxnSpPr>
         <p:spPr>
-          <a:xfrm>
-            <a:off x="8029072" y="813134"/>
-            <a:ext cx="1620254" cy="0"/>
+          <a:xfrm flipV="1">
+            <a:off x="1235242" y="1275348"/>
+            <a:ext cx="3971423" cy="2263751"/>
           </a:xfrm>
           <a:prstGeom prst="straightConnector1">
             <a:avLst/>
           </a:prstGeom>
-          <a:ln>
+          <a:ln w="12700">
+            <a:prstDash val="dash"/>
             <a:tailEnd type="triangle"/>
           </a:ln>
         </p:spPr>
@@ -3827,22 +3779,23 @@
       </p:cxnSp>
       <p:cxnSp>
         <p:nvCxnSpPr>
-          <p:cNvPr id="29" name="直接箭头连接符 28"/>
+          <p:cNvPr id="10" name="直接箭头连接符 9"/>
           <p:cNvCxnSpPr>
-            <a:stCxn id="5" idx="3"/>
-            <a:endCxn id="4" idx="1"/>
+            <a:stCxn id="6" idx="0"/>
+            <a:endCxn id="4" idx="2"/>
           </p:cNvCxnSpPr>
           <p:nvPr/>
         </p:nvCxnSpPr>
         <p:spPr>
-          <a:xfrm>
-            <a:off x="4652210" y="794083"/>
-            <a:ext cx="1323473" cy="19051"/>
+          <a:xfrm flipV="1">
+            <a:off x="3968415" y="1275348"/>
+            <a:ext cx="1238250" cy="2236040"/>
           </a:xfrm>
           <a:prstGeom prst="straightConnector1">
             <a:avLst/>
           </a:prstGeom>
-          <a:ln>
+          <a:ln w="19050">
+            <a:prstDash val="dash"/>
             <a:tailEnd type="triangle"/>
           </a:ln>
         </p:spPr>
@@ -3863,22 +3816,334 @@
       </p:cxnSp>
       <p:cxnSp>
         <p:nvCxnSpPr>
-          <p:cNvPr id="50" name="直接箭头连接符 49"/>
+          <p:cNvPr id="16" name="直接箭头连接符 15"/>
           <p:cNvCxnSpPr>
-            <a:stCxn id="22" idx="0"/>
-            <a:endCxn id="9" idx="2"/>
+            <a:stCxn id="6" idx="1"/>
+            <a:endCxn id="5" idx="3"/>
           </p:cNvCxnSpPr>
           <p:nvPr/>
         </p:nvCxnSpPr>
         <p:spPr>
-          <a:xfrm flipV="1">
-            <a:off x="3593433" y="2304049"/>
-            <a:ext cx="24062" cy="523373"/>
+          <a:xfrm flipH="1">
+            <a:off x="2133600" y="3922286"/>
+            <a:ext cx="936457" cy="13856"/>
           </a:xfrm>
           <a:prstGeom prst="straightConnector1">
             <a:avLst/>
           </a:prstGeom>
           <a:ln>
+            <a:tailEnd type="triangle"/>
+          </a:ln>
+        </p:spPr>
+        <p:style>
+          <a:lnRef idx="1">
+            <a:schemeClr val="accent1"/>
+          </a:lnRef>
+          <a:fillRef idx="0">
+            <a:schemeClr val="accent1"/>
+          </a:fillRef>
+          <a:effectRef idx="0">
+            <a:schemeClr val="accent1"/>
+          </a:effectRef>
+          <a:fontRef idx="minor">
+            <a:schemeClr val="tx1"/>
+          </a:fontRef>
+        </p:style>
+      </p:cxnSp>
+      <p:sp>
+        <p:nvSpPr>
+          <p:cNvPr id="17" name="文本框 16"/>
+          <p:cNvSpPr txBox="1"/>
+          <p:nvPr/>
+        </p:nvSpPr>
+        <p:spPr>
+          <a:xfrm>
+            <a:off x="2273971" y="3539099"/>
+            <a:ext cx="685798" cy="369332"/>
+          </a:xfrm>
+          <a:prstGeom prst="rect">
+            <a:avLst/>
+          </a:prstGeom>
+          <a:noFill/>
+        </p:spPr>
+        <p:txBody>
+          <a:bodyPr wrap="square" rtlCol="0">
+            <a:spAutoFit/>
+          </a:bodyPr>
+          <a:lstStyle/>
+          <a:p>
+            <a:r>
+              <a:rPr lang="zh-CN" altLang="en-US" dirty="0">
+                <a:solidFill>
+                  <a:schemeClr val="tx1">
+                    <a:lumMod val="95000"/>
+                    <a:lumOff val="5000"/>
+                  </a:schemeClr>
+                </a:solidFill>
+              </a:rPr>
+              <a:t>代理</a:t>
+            </a:r>
+          </a:p>
+        </p:txBody>
+      </p:sp>
+      <p:sp>
+        <p:nvSpPr>
+          <p:cNvPr id="14" name="矩形 13"/>
+          <p:cNvSpPr/>
+          <p:nvPr/>
+        </p:nvSpPr>
+        <p:spPr>
+          <a:xfrm>
+            <a:off x="5803230" y="3539099"/>
+            <a:ext cx="1796716" cy="794085"/>
+          </a:xfrm>
+          <a:prstGeom prst="rect">
+            <a:avLst/>
+          </a:prstGeom>
+        </p:spPr>
+        <p:style>
+          <a:lnRef idx="0">
+            <a:schemeClr val="accent4"/>
+          </a:lnRef>
+          <a:fillRef idx="3">
+            <a:schemeClr val="accent4"/>
+          </a:fillRef>
+          <a:effectRef idx="3">
+            <a:schemeClr val="accent4"/>
+          </a:effectRef>
+          <a:fontRef idx="minor">
+            <a:schemeClr val="lt1"/>
+          </a:fontRef>
+        </p:style>
+        <p:txBody>
+          <a:bodyPr rtlCol="0" anchor="ctr"/>
+          <a:lstStyle/>
+          <a:p>
+            <a:pPr algn="ctr"/>
+            <a:r>
+              <a:rPr lang="en-US" altLang="zh-CN" sz="1600" b="1" dirty="0" smtClean="0">
+                <a:solidFill>
+                  <a:schemeClr val="tx1">
+                    <a:lumMod val="95000"/>
+                    <a:lumOff val="5000"/>
+                  </a:schemeClr>
+                </a:solidFill>
+              </a:rPr>
+              <a:t>Playground-</a:t>
+            </a:r>
+          </a:p>
+          <a:p>
+            <a:pPr algn="ctr"/>
+            <a:r>
+              <a:rPr lang="en-US" altLang="zh-CN" sz="1600" b="1" dirty="0" smtClean="0">
+                <a:solidFill>
+                  <a:schemeClr val="tx1">
+                    <a:lumMod val="95000"/>
+                    <a:lumOff val="5000"/>
+                  </a:schemeClr>
+                </a:solidFill>
+              </a:rPr>
+              <a:t>Security</a:t>
+            </a:r>
+            <a:endParaRPr lang="en-US" altLang="zh-CN" sz="1600" b="1" dirty="0">
+              <a:solidFill>
+                <a:schemeClr val="tx1">
+                  <a:lumMod val="95000"/>
+                  <a:lumOff val="5000"/>
+                </a:schemeClr>
+              </a:solidFill>
+            </a:endParaRPr>
+          </a:p>
+          <a:p>
+            <a:pPr algn="ctr"/>
+            <a:r>
+              <a:rPr lang="en-US" altLang="zh-CN" sz="1600" b="1" dirty="0">
+                <a:solidFill>
+                  <a:schemeClr val="tx1">
+                    <a:lumMod val="95000"/>
+                    <a:lumOff val="5000"/>
+                  </a:schemeClr>
+                </a:solidFill>
+              </a:rPr>
+              <a:t>pass()</a:t>
+            </a:r>
+            <a:endParaRPr lang="zh-CN" altLang="en-US" sz="1600" b="1" dirty="0">
+              <a:solidFill>
+                <a:schemeClr val="tx1">
+                  <a:lumMod val="95000"/>
+                  <a:lumOff val="5000"/>
+                </a:schemeClr>
+              </a:solidFill>
+            </a:endParaRPr>
+          </a:p>
+        </p:txBody>
+      </p:sp>
+      <p:sp>
+        <p:nvSpPr>
+          <p:cNvPr id="15" name="矩形 14"/>
+          <p:cNvSpPr/>
+          <p:nvPr/>
+        </p:nvSpPr>
+        <p:spPr>
+          <a:xfrm>
+            <a:off x="8536403" y="3511388"/>
+            <a:ext cx="1796716" cy="821796"/>
+          </a:xfrm>
+          <a:prstGeom prst="rect">
+            <a:avLst/>
+          </a:prstGeom>
+        </p:spPr>
+        <p:style>
+          <a:lnRef idx="0">
+            <a:schemeClr val="accent6"/>
+          </a:lnRef>
+          <a:fillRef idx="3">
+            <a:schemeClr val="accent6"/>
+          </a:fillRef>
+          <a:effectRef idx="3">
+            <a:schemeClr val="accent6"/>
+          </a:effectRef>
+          <a:fontRef idx="minor">
+            <a:schemeClr val="lt1"/>
+          </a:fontRef>
+        </p:style>
+        <p:txBody>
+          <a:bodyPr rtlCol="0" anchor="ctr"/>
+          <a:lstStyle/>
+          <a:p>
+            <a:pPr algn="ctr"/>
+            <a:endParaRPr lang="en-US" altLang="zh-CN" dirty="0" smtClean="0">
+              <a:solidFill>
+                <a:schemeClr val="tx1">
+                  <a:lumMod val="95000"/>
+                  <a:lumOff val="5000"/>
+                </a:schemeClr>
+              </a:solidFill>
+            </a:endParaRPr>
+          </a:p>
+          <a:p>
+            <a:pPr algn="ctr"/>
+            <a:r>
+              <a:rPr lang="en-US" altLang="zh-CN" sz="1600" b="1" dirty="0" smtClean="0">
+                <a:solidFill>
+                  <a:schemeClr val="tx1">
+                    <a:lumMod val="95000"/>
+                    <a:lumOff val="5000"/>
+                  </a:schemeClr>
+                </a:solidFill>
+              </a:rPr>
+              <a:t>Tourist</a:t>
+            </a:r>
+            <a:endParaRPr lang="en-US" altLang="zh-CN" sz="1600" b="1" dirty="0">
+              <a:solidFill>
+                <a:schemeClr val="tx1">
+                  <a:lumMod val="95000"/>
+                  <a:lumOff val="5000"/>
+                </a:schemeClr>
+              </a:solidFill>
+            </a:endParaRPr>
+          </a:p>
+          <a:p>
+            <a:pPr algn="ctr"/>
+            <a:r>
+              <a:rPr lang="en-US" altLang="zh-CN" sz="1600" b="1" dirty="0">
+                <a:solidFill>
+                  <a:schemeClr val="tx1">
+                    <a:lumMod val="95000"/>
+                    <a:lumOff val="5000"/>
+                  </a:schemeClr>
+                </a:solidFill>
+              </a:rPr>
+              <a:t>pass</a:t>
+            </a:r>
+            <a:r>
+              <a:rPr lang="en-US" altLang="zh-CN" sz="1600" b="1" dirty="0">
+                <a:solidFill>
+                  <a:schemeClr val="tx1">
+                    <a:lumMod val="95000"/>
+                    <a:lumOff val="5000"/>
+                  </a:schemeClr>
+                </a:solidFill>
+              </a:rPr>
+              <a:t>()</a:t>
+            </a:r>
+            <a:endParaRPr lang="zh-CN" altLang="en-US" sz="1600" b="1" dirty="0">
+              <a:solidFill>
+                <a:schemeClr val="tx1">
+                  <a:lumMod val="95000"/>
+                  <a:lumOff val="5000"/>
+                </a:schemeClr>
+              </a:solidFill>
+            </a:endParaRPr>
+          </a:p>
+          <a:p>
+            <a:pPr algn="ctr"/>
+            <a:endParaRPr lang="zh-CN" altLang="en-US" dirty="0">
+              <a:solidFill>
+                <a:schemeClr val="tx1">
+                  <a:lumMod val="95000"/>
+                  <a:lumOff val="5000"/>
+                </a:schemeClr>
+              </a:solidFill>
+            </a:endParaRPr>
+          </a:p>
+        </p:txBody>
+      </p:sp>
+      <p:sp>
+        <p:nvSpPr>
+          <p:cNvPr id="19" name="文本框 18"/>
+          <p:cNvSpPr txBox="1"/>
+          <p:nvPr/>
+        </p:nvSpPr>
+        <p:spPr>
+          <a:xfrm>
+            <a:off x="7740317" y="3539099"/>
+            <a:ext cx="685798" cy="369332"/>
+          </a:xfrm>
+          <a:prstGeom prst="rect">
+            <a:avLst/>
+          </a:prstGeom>
+          <a:noFill/>
+        </p:spPr>
+        <p:txBody>
+          <a:bodyPr wrap="square" rtlCol="0">
+            <a:spAutoFit/>
+          </a:bodyPr>
+          <a:lstStyle/>
+          <a:p>
+            <a:r>
+              <a:rPr lang="zh-CN" altLang="en-US" dirty="0">
+                <a:solidFill>
+                  <a:schemeClr val="tx1">
+                    <a:lumMod val="95000"/>
+                    <a:lumOff val="5000"/>
+                  </a:schemeClr>
+                </a:solidFill>
+              </a:rPr>
+              <a:t>代理</a:t>
+            </a:r>
+          </a:p>
+        </p:txBody>
+      </p:sp>
+      <p:cxnSp>
+        <p:nvCxnSpPr>
+          <p:cNvPr id="21" name="直接箭头连接符 20"/>
+          <p:cNvCxnSpPr>
+            <a:stCxn id="14" idx="0"/>
+            <a:endCxn id="4" idx="2"/>
+          </p:cNvCxnSpPr>
+          <p:nvPr/>
+        </p:nvCxnSpPr>
+        <p:spPr>
+          <a:xfrm flipH="1" flipV="1">
+            <a:off x="5206665" y="1275348"/>
+            <a:ext cx="1494923" cy="2263751"/>
+          </a:xfrm>
+          <a:prstGeom prst="straightConnector1">
+            <a:avLst/>
+          </a:prstGeom>
+          <a:ln w="12700">
+            <a:prstDash val="dash"/>
             <a:tailEnd type="triangle"/>
           </a:ln>
         </p:spPr>
@@ -3899,22 +4164,23 @@
       </p:cxnSp>
       <p:cxnSp>
         <p:nvCxnSpPr>
-          <p:cNvPr id="57" name="直接箭头连接符 56"/>
+          <p:cNvPr id="23" name="直接箭头连接符 22"/>
           <p:cNvCxnSpPr>
-            <a:stCxn id="7" idx="0"/>
-            <a:endCxn id="18" idx="2"/>
+            <a:stCxn id="15" idx="0"/>
+            <a:endCxn id="4" idx="2"/>
           </p:cNvCxnSpPr>
           <p:nvPr/>
         </p:nvCxnSpPr>
         <p:spPr>
-          <a:xfrm flipV="1">
-            <a:off x="3617495" y="4892844"/>
-            <a:ext cx="0" cy="762001"/>
+          <a:xfrm flipH="1" flipV="1">
+            <a:off x="5206665" y="1275348"/>
+            <a:ext cx="4228096" cy="2236040"/>
           </a:xfrm>
           <a:prstGeom prst="straightConnector1">
             <a:avLst/>
           </a:prstGeom>
-          <a:ln>
+          <a:ln w="12700">
+            <a:prstDash val="dash"/>
             <a:tailEnd type="triangle"/>
           </a:ln>
         </p:spPr>
@@ -3935,17 +4201,17 @@
       </p:cxnSp>
       <p:cxnSp>
         <p:nvCxnSpPr>
-          <p:cNvPr id="63" name="直接箭头连接符 62"/>
+          <p:cNvPr id="33" name="直接箭头连接符 32"/>
           <p:cNvCxnSpPr>
-            <a:stCxn id="18" idx="0"/>
-            <a:endCxn id="22" idx="2"/>
+            <a:stCxn id="14" idx="3"/>
+            <a:endCxn id="15" idx="1"/>
           </p:cNvCxnSpPr>
           <p:nvPr/>
         </p:nvCxnSpPr>
         <p:spPr>
-          <a:xfrm flipH="1" flipV="1">
-            <a:off x="3593433" y="3621506"/>
-            <a:ext cx="24062" cy="477254"/>
+          <a:xfrm flipV="1">
+            <a:off x="7599946" y="3922286"/>
+            <a:ext cx="936457" cy="13856"/>
           </a:xfrm>
           <a:prstGeom prst="straightConnector1">
             <a:avLst/>
@@ -3971,43 +4237,29 @@
       </p:cxnSp>
       <p:sp>
         <p:nvSpPr>
-          <p:cNvPr id="72" name="圆角矩形 71"/>
-          <p:cNvSpPr/>
-          <p:nvPr/>
-        </p:nvSpPr>
-        <p:spPr>
-          <a:xfrm>
-            <a:off x="4948989" y="3366837"/>
-            <a:ext cx="2053389" cy="794084"/>
-          </a:xfrm>
-          <a:prstGeom prst="roundRect">
-            <a:avLst/>
-          </a:prstGeom>
-        </p:spPr>
-        <p:style>
-          <a:lnRef idx="2">
-            <a:schemeClr val="accent1">
-              <a:shade val="50000"/>
-            </a:schemeClr>
-          </a:lnRef>
-          <a:fillRef idx="1">
-            <a:schemeClr val="accent1"/>
-          </a:fillRef>
-          <a:effectRef idx="0">
-            <a:schemeClr val="accent1"/>
-          </a:effectRef>
-          <a:fontRef idx="minor">
-            <a:schemeClr val="lt1"/>
-          </a:fontRef>
-        </p:style>
-        <p:txBody>
-          <a:bodyPr rtlCol="0" anchor="ctr"/>
-          <a:lstStyle/>
-          <a:p>
-            <a:pPr algn="ctr"/>
-            <a:r>
-              <a:rPr lang="en-US" altLang="zh-CN" dirty="0" smtClean="0"/>
-              <a:t>Class&lt;?&gt; cl</a:t>
+          <p:cNvPr id="34" name="文本框 33"/>
+          <p:cNvSpPr txBox="1"/>
+          <p:nvPr/>
+        </p:nvSpPr>
+        <p:spPr>
+          <a:xfrm>
+            <a:off x="2210301" y="2133238"/>
+            <a:ext cx="1138989" cy="369332"/>
+          </a:xfrm>
+          <a:prstGeom prst="rect">
+            <a:avLst/>
+          </a:prstGeom>
+          <a:noFill/>
+        </p:spPr>
+        <p:txBody>
+          <a:bodyPr wrap="square" rtlCol="0">
+            <a:spAutoFit/>
+          </a:bodyPr>
+          <a:lstStyle/>
+          <a:p>
+            <a:r>
+              <a:rPr lang="zh-CN" altLang="en-US" dirty="0" smtClean="0"/>
+              <a:t>实现</a:t>
             </a:r>
             <a:endParaRPr lang="zh-CN" altLang="en-US" dirty="0"/>
           </a:p>
@@ -4015,186 +4267,111 @@
       </p:sp>
       <p:sp>
         <p:nvSpPr>
-          <p:cNvPr id="73" name="圆角矩形 72"/>
-          <p:cNvSpPr/>
-          <p:nvPr/>
-        </p:nvSpPr>
-        <p:spPr>
-          <a:xfrm>
-            <a:off x="4920917" y="2168693"/>
-            <a:ext cx="2053389" cy="794084"/>
-          </a:xfrm>
-          <a:prstGeom prst="roundRect">
-            <a:avLst/>
-          </a:prstGeom>
-        </p:spPr>
-        <p:style>
-          <a:lnRef idx="2">
-            <a:schemeClr val="accent1">
-              <a:shade val="50000"/>
-            </a:schemeClr>
-          </a:lnRef>
-          <a:fillRef idx="1">
-            <a:schemeClr val="accent1"/>
-          </a:fillRef>
-          <a:effectRef idx="0">
-            <a:schemeClr val="accent1"/>
-          </a:effectRef>
-          <a:fontRef idx="minor">
-            <a:schemeClr val="lt1"/>
-          </a:fontRef>
-        </p:style>
-        <p:txBody>
-          <a:bodyPr rtlCol="0" anchor="ctr"/>
-          <a:lstStyle/>
-          <a:p>
-            <a:pPr algn="ctr"/>
-            <a:r>
-              <a:rPr lang="en-US" altLang="zh-CN" dirty="0" smtClean="0"/>
-              <a:t>Class&lt;?&gt; cl</a:t>
+          <p:cNvPr id="35" name="文本框 34"/>
+          <p:cNvSpPr txBox="1"/>
+          <p:nvPr/>
+        </p:nvSpPr>
+        <p:spPr>
+          <a:xfrm>
+            <a:off x="6132093" y="2133238"/>
+            <a:ext cx="1138989" cy="369332"/>
+          </a:xfrm>
+          <a:prstGeom prst="rect">
+            <a:avLst/>
+          </a:prstGeom>
+          <a:noFill/>
+        </p:spPr>
+        <p:txBody>
+          <a:bodyPr wrap="square" rtlCol="0">
+            <a:spAutoFit/>
+          </a:bodyPr>
+          <a:lstStyle/>
+          <a:p>
+            <a:r>
+              <a:rPr lang="zh-CN" altLang="en-US" dirty="0" smtClean="0"/>
+              <a:t>实现</a:t>
             </a:r>
             <a:endParaRPr lang="zh-CN" altLang="en-US" dirty="0"/>
           </a:p>
         </p:txBody>
       </p:sp>
-      <p:cxnSp>
-        <p:nvCxnSpPr>
-          <p:cNvPr id="75" name="直接箭头连接符 74"/>
-          <p:cNvCxnSpPr>
-            <a:stCxn id="9" idx="0"/>
-            <a:endCxn id="5" idx="2"/>
-          </p:cNvCxnSpPr>
-          <p:nvPr/>
-        </p:nvCxnSpPr>
-        <p:spPr>
-          <a:xfrm flipV="1">
-            <a:off x="3617495" y="1191125"/>
-            <a:ext cx="8021" cy="318840"/>
-          </a:xfrm>
-          <a:prstGeom prst="straightConnector1">
-            <a:avLst/>
-          </a:prstGeom>
-          <a:ln>
-            <a:tailEnd type="triangle"/>
-          </a:ln>
-        </p:spPr>
-        <p:style>
-          <a:lnRef idx="1">
-            <a:schemeClr val="accent1"/>
-          </a:lnRef>
-          <a:fillRef idx="0">
-            <a:schemeClr val="accent1"/>
-          </a:fillRef>
-          <a:effectRef idx="0">
-            <a:schemeClr val="accent1"/>
-          </a:effectRef>
-          <a:fontRef idx="minor">
-            <a:schemeClr val="tx1"/>
-          </a:fontRef>
-        </p:style>
-      </p:cxnSp>
-      <p:sp>
-        <p:nvSpPr>
-          <p:cNvPr id="79" name="矩形 78"/>
-          <p:cNvSpPr/>
-          <p:nvPr/>
-        </p:nvSpPr>
-        <p:spPr>
-          <a:xfrm>
-            <a:off x="2494548" y="5454316"/>
-            <a:ext cx="2253915" cy="1402682"/>
+      <p:sp>
+        <p:nvSpPr>
+          <p:cNvPr id="36" name="文本框 35"/>
+          <p:cNvSpPr txBox="1"/>
+          <p:nvPr/>
+        </p:nvSpPr>
+        <p:spPr>
+          <a:xfrm>
+            <a:off x="3725276" y="2133238"/>
+            <a:ext cx="1138989" cy="369332"/>
           </a:xfrm>
           <a:prstGeom prst="rect">
             <a:avLst/>
           </a:prstGeom>
           <a:noFill/>
-          <a:ln w="57150">
-            <a:solidFill>
-              <a:srgbClr val="92D050"/>
-            </a:solidFill>
-          </a:ln>
-        </p:spPr>
-        <p:style>
-          <a:lnRef idx="2">
-            <a:schemeClr val="accent1">
-              <a:shade val="50000"/>
-            </a:schemeClr>
-          </a:lnRef>
-          <a:fillRef idx="1">
-            <a:schemeClr val="accent1"/>
-          </a:fillRef>
-          <a:effectRef idx="0">
-            <a:schemeClr val="accent1"/>
-          </a:effectRef>
-          <a:fontRef idx="minor">
-            <a:schemeClr val="lt1"/>
-          </a:fontRef>
-        </p:style>
-        <p:txBody>
-          <a:bodyPr rtlCol="0" anchor="ctr"/>
-          <a:lstStyle/>
-          <a:p>
-            <a:pPr algn="ctr"/>
-            <a:endParaRPr lang="zh-CN" altLang="en-US"/>
-          </a:p>
-        </p:txBody>
-      </p:sp>
-      <p:sp>
-        <p:nvSpPr>
-          <p:cNvPr id="80" name="矩形 79"/>
-          <p:cNvSpPr/>
-          <p:nvPr/>
-        </p:nvSpPr>
-        <p:spPr>
-          <a:xfrm>
-            <a:off x="2157662" y="2622889"/>
-            <a:ext cx="2662991" cy="1154526"/>
+        </p:spPr>
+        <p:txBody>
+          <a:bodyPr wrap="square" rtlCol="0">
+            <a:spAutoFit/>
+          </a:bodyPr>
+          <a:lstStyle/>
+          <a:p>
+            <a:r>
+              <a:rPr lang="zh-CN" altLang="en-US" dirty="0" smtClean="0"/>
+              <a:t>实现</a:t>
+            </a:r>
+            <a:endParaRPr lang="zh-CN" altLang="en-US" dirty="0"/>
+          </a:p>
+        </p:txBody>
+      </p:sp>
+      <p:sp>
+        <p:nvSpPr>
+          <p:cNvPr id="37" name="文本框 36"/>
+          <p:cNvSpPr txBox="1"/>
+          <p:nvPr/>
+        </p:nvSpPr>
+        <p:spPr>
+          <a:xfrm>
+            <a:off x="7740317" y="2024036"/>
+            <a:ext cx="1138989" cy="369332"/>
           </a:xfrm>
           <a:prstGeom prst="rect">
             <a:avLst/>
           </a:prstGeom>
           <a:noFill/>
-          <a:ln w="57150">
-            <a:solidFill>
-              <a:srgbClr val="FF0000"/>
-            </a:solidFill>
-          </a:ln>
-        </p:spPr>
-        <p:style>
-          <a:lnRef idx="2">
-            <a:schemeClr val="accent1">
-              <a:shade val="50000"/>
-            </a:schemeClr>
-          </a:lnRef>
-          <a:fillRef idx="1">
-            <a:schemeClr val="accent1"/>
-          </a:fillRef>
-          <a:effectRef idx="0">
-            <a:schemeClr val="accent1"/>
-          </a:effectRef>
-          <a:fontRef idx="minor">
-            <a:schemeClr val="lt1"/>
-          </a:fontRef>
-        </p:style>
-        <p:txBody>
-          <a:bodyPr rtlCol="0" anchor="ctr"/>
-          <a:lstStyle/>
-          <a:p>
-            <a:pPr algn="ctr"/>
-            <a:endParaRPr lang="zh-CN" altLang="en-US"/>
+        </p:spPr>
+        <p:txBody>
+          <a:bodyPr wrap="square" rtlCol="0">
+            <a:spAutoFit/>
+          </a:bodyPr>
+          <a:lstStyle/>
+          <a:p>
+            <a:r>
+              <a:rPr lang="zh-CN" altLang="en-US" dirty="0" smtClean="0"/>
+              <a:t>实现</a:t>
+            </a:r>
+            <a:endParaRPr lang="zh-CN" altLang="en-US" dirty="0"/>
           </a:p>
         </p:txBody>
       </p:sp>
     </p:spTree>
     <p:extLst>
       <p:ext uri="{BB962C8B-B14F-4D97-AF65-F5344CB8AC3E}">
-        <p14:creationId xmlns:p14="http://schemas.microsoft.com/office/powerpoint/2010/main" val="974033400"/>
+        <p14:creationId xmlns:p14="http://schemas.microsoft.com/office/powerpoint/2010/main" val="540287847"/>
       </p:ext>
     </p:extLst>
   </p:cSld>
   <p:clrMapOvr>
     <a:masterClrMapping/>
   </p:clrMapOvr>
+  <p:timing>
+    <p:tnLst>
+      <p:par>
+        <p:cTn id="1" dur="indefinite" restart="never" nodeType="tmRoot"/>
+      </p:par>
+    </p:tnLst>
+  </p:timing>
 </p:sld>
 </file>
 
@@ -4217,6 +4394,2194 @@
       </p:grpSpPr>
       <p:sp>
         <p:nvSpPr>
+          <p:cNvPr id="4" name="圆角矩形 3"/>
+          <p:cNvSpPr/>
+          <p:nvPr/>
+        </p:nvSpPr>
+        <p:spPr>
+          <a:xfrm>
+            <a:off x="1921259" y="1218959"/>
+            <a:ext cx="1796716" cy="673769"/>
+          </a:xfrm>
+          <a:prstGeom prst="roundRect">
+            <a:avLst/>
+          </a:prstGeom>
+        </p:spPr>
+        <p:style>
+          <a:lnRef idx="0">
+            <a:schemeClr val="accent1"/>
+          </a:lnRef>
+          <a:fillRef idx="3">
+            <a:schemeClr val="accent1"/>
+          </a:fillRef>
+          <a:effectRef idx="3">
+            <a:schemeClr val="accent1"/>
+          </a:effectRef>
+          <a:fontRef idx="minor">
+            <a:schemeClr val="lt1"/>
+          </a:fontRef>
+        </p:style>
+        <p:txBody>
+          <a:bodyPr rtlCol="0" anchor="ctr"/>
+          <a:lstStyle/>
+          <a:p>
+            <a:pPr algn="ctr"/>
+            <a:r>
+              <a:rPr lang="en-US" altLang="zh-CN" sz="1400" dirty="0" smtClean="0">
+                <a:solidFill>
+                  <a:schemeClr val="tx1">
+                    <a:lumMod val="95000"/>
+                    <a:lumOff val="5000"/>
+                  </a:schemeClr>
+                </a:solidFill>
+              </a:rPr>
+              <a:t>&lt;&lt;interface&gt;&gt;</a:t>
+            </a:r>
+          </a:p>
+          <a:p>
+            <a:pPr algn="ctr"/>
+            <a:r>
+              <a:rPr lang="en-US" altLang="zh-CN" sz="1400" dirty="0" smtClean="0">
+                <a:solidFill>
+                  <a:schemeClr val="tx1">
+                    <a:lumMod val="95000"/>
+                    <a:lumOff val="5000"/>
+                  </a:schemeClr>
+                </a:solidFill>
+              </a:rPr>
+              <a:t>Security</a:t>
+            </a:r>
+          </a:p>
+          <a:p>
+            <a:pPr algn="ctr"/>
+            <a:r>
+              <a:rPr lang="en-US" altLang="zh-CN" sz="1400" dirty="0" smtClean="0">
+                <a:solidFill>
+                  <a:schemeClr val="tx1">
+                    <a:lumMod val="95000"/>
+                    <a:lumOff val="5000"/>
+                  </a:schemeClr>
+                </a:solidFill>
+              </a:rPr>
+              <a:t>pass()</a:t>
+            </a:r>
+            <a:endParaRPr lang="zh-CN" altLang="en-US" sz="1400" dirty="0">
+              <a:solidFill>
+                <a:schemeClr val="tx1">
+                  <a:lumMod val="95000"/>
+                  <a:lumOff val="5000"/>
+                </a:schemeClr>
+              </a:solidFill>
+            </a:endParaRPr>
+          </a:p>
+        </p:txBody>
+      </p:sp>
+      <p:sp>
+        <p:nvSpPr>
+          <p:cNvPr id="5" name="矩形 4"/>
+          <p:cNvSpPr/>
+          <p:nvPr/>
+        </p:nvSpPr>
+        <p:spPr>
+          <a:xfrm>
+            <a:off x="742667" y="2280830"/>
+            <a:ext cx="1796716" cy="794085"/>
+          </a:xfrm>
+          <a:prstGeom prst="rect">
+            <a:avLst/>
+          </a:prstGeom>
+        </p:spPr>
+        <p:style>
+          <a:lnRef idx="0">
+            <a:schemeClr val="accent6"/>
+          </a:lnRef>
+          <a:fillRef idx="3">
+            <a:schemeClr val="accent6"/>
+          </a:fillRef>
+          <a:effectRef idx="3">
+            <a:schemeClr val="accent6"/>
+          </a:effectRef>
+          <a:fontRef idx="minor">
+            <a:schemeClr val="lt1"/>
+          </a:fontRef>
+        </p:style>
+        <p:txBody>
+          <a:bodyPr rtlCol="0" anchor="ctr"/>
+          <a:lstStyle/>
+          <a:p>
+            <a:pPr algn="ctr"/>
+            <a:r>
+              <a:rPr lang="en-US" altLang="zh-CN" sz="1600" b="1" dirty="0">
+                <a:solidFill>
+                  <a:schemeClr val="tx1">
+                    <a:lumMod val="95000"/>
+                    <a:lumOff val="5000"/>
+                  </a:schemeClr>
+                </a:solidFill>
+              </a:rPr>
+              <a:t>Passenger</a:t>
+            </a:r>
+          </a:p>
+          <a:p>
+            <a:pPr algn="ctr"/>
+            <a:r>
+              <a:rPr lang="en-US" altLang="zh-CN" sz="1600" b="1" dirty="0">
+                <a:solidFill>
+                  <a:schemeClr val="tx1">
+                    <a:lumMod val="95000"/>
+                    <a:lumOff val="5000"/>
+                  </a:schemeClr>
+                </a:solidFill>
+              </a:rPr>
+              <a:t>pass()</a:t>
+            </a:r>
+            <a:endParaRPr lang="zh-CN" altLang="en-US" sz="1600" b="1" dirty="0">
+              <a:solidFill>
+                <a:schemeClr val="tx1">
+                  <a:lumMod val="95000"/>
+                  <a:lumOff val="5000"/>
+                </a:schemeClr>
+              </a:solidFill>
+            </a:endParaRPr>
+          </a:p>
+        </p:txBody>
+      </p:sp>
+      <p:sp>
+        <p:nvSpPr>
+          <p:cNvPr id="6" name="矩形 5"/>
+          <p:cNvSpPr/>
+          <p:nvPr/>
+        </p:nvSpPr>
+        <p:spPr>
+          <a:xfrm>
+            <a:off x="742667" y="3562097"/>
+            <a:ext cx="1796716" cy="821796"/>
+          </a:xfrm>
+          <a:prstGeom prst="rect">
+            <a:avLst/>
+          </a:prstGeom>
+        </p:spPr>
+        <p:style>
+          <a:lnRef idx="0">
+            <a:schemeClr val="accent2"/>
+          </a:lnRef>
+          <a:fillRef idx="3">
+            <a:schemeClr val="accent2"/>
+          </a:fillRef>
+          <a:effectRef idx="3">
+            <a:schemeClr val="accent2"/>
+          </a:effectRef>
+          <a:fontRef idx="minor">
+            <a:schemeClr val="lt1"/>
+          </a:fontRef>
+        </p:style>
+        <p:txBody>
+          <a:bodyPr rtlCol="0" anchor="ctr"/>
+          <a:lstStyle/>
+          <a:p>
+            <a:pPr algn="ctr"/>
+            <a:endParaRPr lang="en-US" altLang="zh-CN" dirty="0" smtClean="0">
+              <a:solidFill>
+                <a:schemeClr val="tx1">
+                  <a:lumMod val="95000"/>
+                  <a:lumOff val="5000"/>
+                </a:schemeClr>
+              </a:solidFill>
+            </a:endParaRPr>
+          </a:p>
+          <a:p>
+            <a:pPr algn="ctr"/>
+            <a:r>
+              <a:rPr lang="en-US" altLang="zh-CN" sz="1600" b="1" dirty="0" smtClean="0">
+                <a:solidFill>
+                  <a:schemeClr val="tx1">
+                    <a:lumMod val="95000"/>
+                    <a:lumOff val="5000"/>
+                  </a:schemeClr>
+                </a:solidFill>
+              </a:rPr>
+              <a:t>$Proxy0</a:t>
+            </a:r>
+            <a:endParaRPr lang="en-US" altLang="zh-CN" sz="1600" b="1" dirty="0">
+              <a:solidFill>
+                <a:schemeClr val="tx1">
+                  <a:lumMod val="95000"/>
+                  <a:lumOff val="5000"/>
+                </a:schemeClr>
+              </a:solidFill>
+            </a:endParaRPr>
+          </a:p>
+          <a:p>
+            <a:pPr algn="ctr"/>
+            <a:r>
+              <a:rPr lang="en-US" altLang="zh-CN" sz="1600" b="1" dirty="0">
+                <a:solidFill>
+                  <a:schemeClr val="tx1">
+                    <a:lumMod val="95000"/>
+                    <a:lumOff val="5000"/>
+                  </a:schemeClr>
+                </a:solidFill>
+              </a:rPr>
+              <a:t>pass</a:t>
+            </a:r>
+            <a:r>
+              <a:rPr lang="en-US" altLang="zh-CN" sz="1600" b="1" dirty="0">
+                <a:solidFill>
+                  <a:schemeClr val="tx1">
+                    <a:lumMod val="95000"/>
+                    <a:lumOff val="5000"/>
+                  </a:schemeClr>
+                </a:solidFill>
+              </a:rPr>
+              <a:t>()</a:t>
+            </a:r>
+            <a:endParaRPr lang="zh-CN" altLang="en-US" sz="1600" b="1" dirty="0">
+              <a:solidFill>
+                <a:schemeClr val="tx1">
+                  <a:lumMod val="95000"/>
+                  <a:lumOff val="5000"/>
+                </a:schemeClr>
+              </a:solidFill>
+            </a:endParaRPr>
+          </a:p>
+          <a:p>
+            <a:pPr algn="ctr"/>
+            <a:endParaRPr lang="zh-CN" altLang="en-US" dirty="0">
+              <a:solidFill>
+                <a:schemeClr val="tx1">
+                  <a:lumMod val="95000"/>
+                  <a:lumOff val="5000"/>
+                </a:schemeClr>
+              </a:solidFill>
+            </a:endParaRPr>
+          </a:p>
+        </p:txBody>
+      </p:sp>
+      <p:cxnSp>
+        <p:nvCxnSpPr>
+          <p:cNvPr id="8" name="直接箭头连接符 7"/>
+          <p:cNvCxnSpPr>
+            <a:stCxn id="5" idx="0"/>
+            <a:endCxn id="4" idx="2"/>
+          </p:cNvCxnSpPr>
+          <p:nvPr/>
+        </p:nvCxnSpPr>
+        <p:spPr>
+          <a:xfrm flipV="1">
+            <a:off x="1641025" y="1892728"/>
+            <a:ext cx="1178592" cy="388102"/>
+          </a:xfrm>
+          <a:prstGeom prst="straightConnector1">
+            <a:avLst/>
+          </a:prstGeom>
+          <a:ln w="12700">
+            <a:prstDash val="dash"/>
+            <a:tailEnd type="triangle"/>
+          </a:ln>
+        </p:spPr>
+        <p:style>
+          <a:lnRef idx="1">
+            <a:schemeClr val="accent1"/>
+          </a:lnRef>
+          <a:fillRef idx="0">
+            <a:schemeClr val="accent1"/>
+          </a:fillRef>
+          <a:effectRef idx="0">
+            <a:schemeClr val="accent1"/>
+          </a:effectRef>
+          <a:fontRef idx="minor">
+            <a:schemeClr val="tx1"/>
+          </a:fontRef>
+        </p:style>
+      </p:cxnSp>
+      <p:cxnSp>
+        <p:nvCxnSpPr>
+          <p:cNvPr id="16" name="直接箭头连接符 15"/>
+          <p:cNvCxnSpPr>
+            <a:stCxn id="6" idx="0"/>
+            <a:endCxn id="5" idx="2"/>
+          </p:cNvCxnSpPr>
+          <p:nvPr/>
+        </p:nvCxnSpPr>
+        <p:spPr>
+          <a:xfrm flipV="1">
+            <a:off x="1641025" y="3074915"/>
+            <a:ext cx="0" cy="487182"/>
+          </a:xfrm>
+          <a:prstGeom prst="straightConnector1">
+            <a:avLst/>
+          </a:prstGeom>
+          <a:ln>
+            <a:tailEnd type="triangle"/>
+          </a:ln>
+        </p:spPr>
+        <p:style>
+          <a:lnRef idx="1">
+            <a:schemeClr val="accent1"/>
+          </a:lnRef>
+          <a:fillRef idx="0">
+            <a:schemeClr val="accent1"/>
+          </a:fillRef>
+          <a:effectRef idx="0">
+            <a:schemeClr val="accent1"/>
+          </a:effectRef>
+          <a:fontRef idx="minor">
+            <a:schemeClr val="tx1"/>
+          </a:fontRef>
+        </p:style>
+      </p:cxnSp>
+      <p:sp>
+        <p:nvSpPr>
+          <p:cNvPr id="17" name="文本框 16"/>
+          <p:cNvSpPr txBox="1"/>
+          <p:nvPr/>
+        </p:nvSpPr>
+        <p:spPr>
+          <a:xfrm>
+            <a:off x="1675782" y="3132406"/>
+            <a:ext cx="685798" cy="369332"/>
+          </a:xfrm>
+          <a:prstGeom prst="rect">
+            <a:avLst/>
+          </a:prstGeom>
+          <a:noFill/>
+        </p:spPr>
+        <p:txBody>
+          <a:bodyPr wrap="square" rtlCol="0">
+            <a:spAutoFit/>
+          </a:bodyPr>
+          <a:lstStyle/>
+          <a:p>
+            <a:r>
+              <a:rPr lang="zh-CN" altLang="en-US" dirty="0">
+                <a:solidFill>
+                  <a:schemeClr val="tx1">
+                    <a:lumMod val="95000"/>
+                    <a:lumOff val="5000"/>
+                  </a:schemeClr>
+                </a:solidFill>
+              </a:rPr>
+              <a:t>代理</a:t>
+            </a:r>
+          </a:p>
+        </p:txBody>
+      </p:sp>
+      <p:sp>
+        <p:nvSpPr>
+          <p:cNvPr id="9" name="圆角矩形 8"/>
+          <p:cNvSpPr/>
+          <p:nvPr/>
+        </p:nvSpPr>
+        <p:spPr>
+          <a:xfrm>
+            <a:off x="5293728" y="1222802"/>
+            <a:ext cx="1677404" cy="673769"/>
+          </a:xfrm>
+          <a:prstGeom prst="roundRect">
+            <a:avLst/>
+          </a:prstGeom>
+        </p:spPr>
+        <p:style>
+          <a:lnRef idx="0">
+            <a:schemeClr val="accent1"/>
+          </a:lnRef>
+          <a:fillRef idx="3">
+            <a:schemeClr val="accent1"/>
+          </a:fillRef>
+          <a:effectRef idx="3">
+            <a:schemeClr val="accent1"/>
+          </a:effectRef>
+          <a:fontRef idx="minor">
+            <a:schemeClr val="lt1"/>
+          </a:fontRef>
+        </p:style>
+        <p:txBody>
+          <a:bodyPr rtlCol="0" anchor="ctr"/>
+          <a:lstStyle/>
+          <a:p>
+            <a:pPr algn="ctr"/>
+            <a:r>
+              <a:rPr lang="en-US" altLang="zh-CN" sz="1400" dirty="0" smtClean="0">
+                <a:solidFill>
+                  <a:schemeClr val="tx1">
+                    <a:lumMod val="95000"/>
+                    <a:lumOff val="5000"/>
+                  </a:schemeClr>
+                </a:solidFill>
+              </a:rPr>
+              <a:t>&lt;&lt;interface&gt;&gt;</a:t>
+            </a:r>
+          </a:p>
+          <a:p>
+            <a:pPr algn="ctr"/>
+            <a:r>
+              <a:rPr lang="en-US" altLang="zh-CN" sz="1400" dirty="0" smtClean="0">
+                <a:solidFill>
+                  <a:schemeClr val="tx1">
+                    <a:lumMod val="95000"/>
+                    <a:lumOff val="5000"/>
+                  </a:schemeClr>
+                </a:solidFill>
+              </a:rPr>
+              <a:t>InvocationHandler</a:t>
+            </a:r>
+          </a:p>
+          <a:p>
+            <a:pPr algn="ctr"/>
+            <a:r>
+              <a:rPr lang="en-US" altLang="zh-CN" sz="1400" dirty="0" smtClean="0">
+                <a:solidFill>
+                  <a:schemeClr val="tx1">
+                    <a:lumMod val="95000"/>
+                    <a:lumOff val="5000"/>
+                  </a:schemeClr>
+                </a:solidFill>
+              </a:rPr>
+              <a:t>invoke()</a:t>
+            </a:r>
+            <a:endParaRPr lang="zh-CN" altLang="en-US" sz="1400" dirty="0">
+              <a:solidFill>
+                <a:schemeClr val="tx1">
+                  <a:lumMod val="95000"/>
+                  <a:lumOff val="5000"/>
+                </a:schemeClr>
+              </a:solidFill>
+            </a:endParaRPr>
+          </a:p>
+        </p:txBody>
+      </p:sp>
+      <p:sp>
+        <p:nvSpPr>
+          <p:cNvPr id="18" name="矩形 17"/>
+          <p:cNvSpPr/>
+          <p:nvPr/>
+        </p:nvSpPr>
+        <p:spPr>
+          <a:xfrm>
+            <a:off x="5154803" y="5181595"/>
+            <a:ext cx="1955254" cy="794085"/>
+          </a:xfrm>
+          <a:prstGeom prst="rect">
+            <a:avLst/>
+          </a:prstGeom>
+        </p:spPr>
+        <p:style>
+          <a:lnRef idx="0">
+            <a:schemeClr val="accent4"/>
+          </a:lnRef>
+          <a:fillRef idx="3">
+            <a:schemeClr val="accent4"/>
+          </a:fillRef>
+          <a:effectRef idx="3">
+            <a:schemeClr val="accent4"/>
+          </a:effectRef>
+          <a:fontRef idx="minor">
+            <a:schemeClr val="lt1"/>
+          </a:fontRef>
+        </p:style>
+        <p:txBody>
+          <a:bodyPr rtlCol="0" anchor="ctr"/>
+          <a:lstStyle/>
+          <a:p>
+            <a:pPr algn="ctr"/>
+            <a:r>
+              <a:rPr lang="en-US" altLang="zh-CN" sz="1600" b="1" dirty="0" smtClean="0">
+                <a:solidFill>
+                  <a:schemeClr val="tx1">
+                    <a:lumMod val="95000"/>
+                    <a:lumOff val="5000"/>
+                  </a:schemeClr>
+                </a:solidFill>
+              </a:rPr>
+              <a:t>AutoSecurity-CheckMachine</a:t>
+            </a:r>
+            <a:endParaRPr lang="en-US" altLang="zh-CN" sz="1600" b="1" dirty="0">
+              <a:solidFill>
+                <a:schemeClr val="tx1">
+                  <a:lumMod val="95000"/>
+                  <a:lumOff val="5000"/>
+                </a:schemeClr>
+              </a:solidFill>
+            </a:endParaRPr>
+          </a:p>
+          <a:p>
+            <a:pPr algn="ctr"/>
+            <a:r>
+              <a:rPr lang="en-US" altLang="zh-CN" sz="1600" b="1" dirty="0">
+                <a:solidFill>
+                  <a:schemeClr val="tx1">
+                    <a:lumMod val="95000"/>
+                    <a:lumOff val="5000"/>
+                  </a:schemeClr>
+                </a:solidFill>
+              </a:rPr>
+              <a:t>invoke</a:t>
+            </a:r>
+            <a:r>
+              <a:rPr lang="en-US" altLang="zh-CN" sz="1600" b="1" dirty="0">
+                <a:solidFill>
+                  <a:schemeClr val="tx1">
+                    <a:lumMod val="95000"/>
+                    <a:lumOff val="5000"/>
+                  </a:schemeClr>
+                </a:solidFill>
+              </a:rPr>
+              <a:t>()</a:t>
+            </a:r>
+            <a:endParaRPr lang="zh-CN" altLang="en-US" sz="1600" b="1" dirty="0">
+              <a:solidFill>
+                <a:schemeClr val="tx1">
+                  <a:lumMod val="95000"/>
+                  <a:lumOff val="5000"/>
+                </a:schemeClr>
+              </a:solidFill>
+            </a:endParaRPr>
+          </a:p>
+        </p:txBody>
+      </p:sp>
+      <p:cxnSp>
+        <p:nvCxnSpPr>
+          <p:cNvPr id="19" name="直接箭头连接符 18"/>
+          <p:cNvCxnSpPr>
+            <a:stCxn id="18" idx="0"/>
+            <a:endCxn id="9" idx="2"/>
+          </p:cNvCxnSpPr>
+          <p:nvPr/>
+        </p:nvCxnSpPr>
+        <p:spPr>
+          <a:xfrm flipV="1">
+            <a:off x="6132430" y="1896571"/>
+            <a:ext cx="0" cy="3285024"/>
+          </a:xfrm>
+          <a:prstGeom prst="straightConnector1">
+            <a:avLst/>
+          </a:prstGeom>
+          <a:ln w="12700">
+            <a:prstDash val="dash"/>
+            <a:tailEnd type="triangle"/>
+          </a:ln>
+        </p:spPr>
+        <p:style>
+          <a:lnRef idx="1">
+            <a:schemeClr val="accent1"/>
+          </a:lnRef>
+          <a:fillRef idx="0">
+            <a:schemeClr val="accent1"/>
+          </a:fillRef>
+          <a:effectRef idx="0">
+            <a:schemeClr val="accent1"/>
+          </a:effectRef>
+          <a:fontRef idx="minor">
+            <a:schemeClr val="tx1"/>
+          </a:fontRef>
+        </p:style>
+      </p:cxnSp>
+      <p:cxnSp>
+        <p:nvCxnSpPr>
+          <p:cNvPr id="23" name="直接箭头连接符 22"/>
+          <p:cNvCxnSpPr>
+            <a:stCxn id="24" idx="0"/>
+            <a:endCxn id="6" idx="2"/>
+          </p:cNvCxnSpPr>
+          <p:nvPr/>
+        </p:nvCxnSpPr>
+        <p:spPr>
+          <a:xfrm flipH="1" flipV="1">
+            <a:off x="1641025" y="4383893"/>
+            <a:ext cx="1178592" cy="783847"/>
+          </a:xfrm>
+          <a:prstGeom prst="straightConnector1">
+            <a:avLst/>
+          </a:prstGeom>
+          <a:ln>
+            <a:tailEnd type="triangle"/>
+          </a:ln>
+        </p:spPr>
+        <p:style>
+          <a:lnRef idx="1">
+            <a:schemeClr val="accent1"/>
+          </a:lnRef>
+          <a:fillRef idx="0">
+            <a:schemeClr val="accent1"/>
+          </a:fillRef>
+          <a:effectRef idx="0">
+            <a:schemeClr val="accent1"/>
+          </a:effectRef>
+          <a:fontRef idx="minor">
+            <a:schemeClr val="tx1"/>
+          </a:fontRef>
+        </p:style>
+      </p:cxnSp>
+      <p:sp>
+        <p:nvSpPr>
+          <p:cNvPr id="24" name="矩形 23"/>
+          <p:cNvSpPr/>
+          <p:nvPr/>
+        </p:nvSpPr>
+        <p:spPr>
+          <a:xfrm>
+            <a:off x="1841990" y="5167740"/>
+            <a:ext cx="1955254" cy="821797"/>
+          </a:xfrm>
+          <a:prstGeom prst="rect">
+            <a:avLst/>
+          </a:prstGeom>
+        </p:spPr>
+        <p:style>
+          <a:lnRef idx="0">
+            <a:schemeClr val="accent2"/>
+          </a:lnRef>
+          <a:fillRef idx="3">
+            <a:schemeClr val="accent2"/>
+          </a:fillRef>
+          <a:effectRef idx="3">
+            <a:schemeClr val="accent2"/>
+          </a:effectRef>
+          <a:fontRef idx="minor">
+            <a:schemeClr val="lt1"/>
+          </a:fontRef>
+        </p:style>
+        <p:txBody>
+          <a:bodyPr rtlCol="0" anchor="ctr"/>
+          <a:lstStyle/>
+          <a:p>
+            <a:pPr algn="ctr"/>
+            <a:r>
+              <a:rPr lang="en-US" altLang="zh-CN" sz="1600" b="1" dirty="0">
+                <a:solidFill>
+                  <a:schemeClr val="tx1">
+                    <a:lumMod val="95000"/>
+                    <a:lumOff val="5000"/>
+                  </a:schemeClr>
+                </a:solidFill>
+              </a:rPr>
+              <a:t>Proxy</a:t>
+            </a:r>
+          </a:p>
+          <a:p>
+            <a:pPr algn="ctr"/>
+            <a:r>
+              <a:rPr lang="en-US" altLang="zh-CN" sz="1600" b="1" dirty="0">
+                <a:solidFill>
+                  <a:schemeClr val="tx1">
+                    <a:lumMod val="95000"/>
+                    <a:lumOff val="5000"/>
+                  </a:schemeClr>
+                </a:solidFill>
+              </a:rPr>
+              <a:t>newProxyInstance()</a:t>
+            </a:r>
+            <a:endParaRPr lang="zh-CN" altLang="en-US" sz="1600" b="1" dirty="0">
+              <a:solidFill>
+                <a:schemeClr val="tx1">
+                  <a:lumMod val="95000"/>
+                  <a:lumOff val="5000"/>
+                </a:schemeClr>
+              </a:solidFill>
+            </a:endParaRPr>
+          </a:p>
+        </p:txBody>
+      </p:sp>
+      <p:cxnSp>
+        <p:nvCxnSpPr>
+          <p:cNvPr id="31" name="直接箭头连接符 30"/>
+          <p:cNvCxnSpPr>
+            <a:stCxn id="24" idx="3"/>
+            <a:endCxn id="18" idx="1"/>
+          </p:cNvCxnSpPr>
+          <p:nvPr/>
+        </p:nvCxnSpPr>
+        <p:spPr>
+          <a:xfrm flipV="1">
+            <a:off x="3797244" y="5578638"/>
+            <a:ext cx="1357559" cy="1"/>
+          </a:xfrm>
+          <a:prstGeom prst="straightConnector1">
+            <a:avLst/>
+          </a:prstGeom>
+          <a:ln>
+            <a:tailEnd type="triangle"/>
+          </a:ln>
+        </p:spPr>
+        <p:style>
+          <a:lnRef idx="1">
+            <a:schemeClr val="accent1"/>
+          </a:lnRef>
+          <a:fillRef idx="0">
+            <a:schemeClr val="accent1"/>
+          </a:fillRef>
+          <a:effectRef idx="0">
+            <a:schemeClr val="accent1"/>
+          </a:effectRef>
+          <a:fontRef idx="minor">
+            <a:schemeClr val="tx1"/>
+          </a:fontRef>
+        </p:style>
+      </p:cxnSp>
+      <p:sp>
+        <p:nvSpPr>
+          <p:cNvPr id="44" name="文本框 43"/>
+          <p:cNvSpPr txBox="1"/>
+          <p:nvPr/>
+        </p:nvSpPr>
+        <p:spPr>
+          <a:xfrm>
+            <a:off x="2290086" y="4501743"/>
+            <a:ext cx="1107846" cy="369332"/>
+          </a:xfrm>
+          <a:prstGeom prst="rect">
+            <a:avLst/>
+          </a:prstGeom>
+          <a:noFill/>
+        </p:spPr>
+        <p:txBody>
+          <a:bodyPr wrap="square" rtlCol="0">
+            <a:spAutoFit/>
+          </a:bodyPr>
+          <a:lstStyle/>
+          <a:p>
+            <a:r>
+              <a:rPr lang="zh-CN" altLang="en-US" dirty="0" smtClean="0"/>
+              <a:t>动态生成</a:t>
+            </a:r>
+            <a:endParaRPr lang="zh-CN" altLang="en-US" dirty="0"/>
+          </a:p>
+        </p:txBody>
+      </p:sp>
+      <p:sp>
+        <p:nvSpPr>
+          <p:cNvPr id="45" name="文本框 44"/>
+          <p:cNvSpPr txBox="1"/>
+          <p:nvPr/>
+        </p:nvSpPr>
+        <p:spPr>
+          <a:xfrm>
+            <a:off x="586411" y="4441384"/>
+            <a:ext cx="1466057" cy="369332"/>
+          </a:xfrm>
+          <a:prstGeom prst="rect">
+            <a:avLst/>
+          </a:prstGeom>
+          <a:noFill/>
+        </p:spPr>
+        <p:txBody>
+          <a:bodyPr wrap="square" rtlCol="0">
+            <a:spAutoFit/>
+          </a:bodyPr>
+          <a:lstStyle/>
+          <a:p>
+            <a:r>
+              <a:rPr lang="zh-CN" altLang="en-US" dirty="0" smtClean="0"/>
+              <a:t>临时代理类</a:t>
+            </a:r>
+            <a:r>
+              <a:rPr lang="en-US" altLang="zh-CN" dirty="0" smtClean="0"/>
+              <a:t>1</a:t>
+            </a:r>
+            <a:endParaRPr lang="zh-CN" altLang="en-US" dirty="0"/>
+          </a:p>
+        </p:txBody>
+      </p:sp>
+      <p:sp>
+        <p:nvSpPr>
+          <p:cNvPr id="46" name="文本框 45"/>
+          <p:cNvSpPr txBox="1"/>
+          <p:nvPr/>
+        </p:nvSpPr>
+        <p:spPr>
+          <a:xfrm>
+            <a:off x="4105768" y="5606348"/>
+            <a:ext cx="1049035" cy="369332"/>
+          </a:xfrm>
+          <a:prstGeom prst="rect">
+            <a:avLst/>
+          </a:prstGeom>
+          <a:noFill/>
+        </p:spPr>
+        <p:txBody>
+          <a:bodyPr wrap="square" rtlCol="0">
+            <a:spAutoFit/>
+          </a:bodyPr>
+          <a:lstStyle/>
+          <a:p>
+            <a:r>
+              <a:rPr lang="zh-CN" altLang="en-US" dirty="0" smtClean="0"/>
+              <a:t>调用</a:t>
+            </a:r>
+            <a:endParaRPr lang="zh-CN" altLang="en-US" dirty="0"/>
+          </a:p>
+        </p:txBody>
+      </p:sp>
+      <p:sp>
+        <p:nvSpPr>
+          <p:cNvPr id="105" name="文本框 104"/>
+          <p:cNvSpPr txBox="1"/>
+          <p:nvPr/>
+        </p:nvSpPr>
+        <p:spPr>
+          <a:xfrm>
+            <a:off x="6322389" y="4498987"/>
+            <a:ext cx="1587493" cy="369332"/>
+          </a:xfrm>
+          <a:prstGeom prst="rect">
+            <a:avLst/>
+          </a:prstGeom>
+          <a:noFill/>
+        </p:spPr>
+        <p:txBody>
+          <a:bodyPr wrap="square" rtlCol="0">
+            <a:spAutoFit/>
+          </a:bodyPr>
+          <a:lstStyle/>
+          <a:p>
+            <a:r>
+              <a:rPr lang="zh-CN" altLang="en-US" dirty="0" smtClean="0"/>
+              <a:t>调用处理器</a:t>
+            </a:r>
+            <a:endParaRPr lang="zh-CN" altLang="en-US" dirty="0"/>
+          </a:p>
+        </p:txBody>
+      </p:sp>
+      <p:sp>
+        <p:nvSpPr>
+          <p:cNvPr id="106" name="文本框 105"/>
+          <p:cNvSpPr txBox="1"/>
+          <p:nvPr/>
+        </p:nvSpPr>
+        <p:spPr>
+          <a:xfrm>
+            <a:off x="6322389" y="2308540"/>
+            <a:ext cx="1803804" cy="369332"/>
+          </a:xfrm>
+          <a:prstGeom prst="rect">
+            <a:avLst/>
+          </a:prstGeom>
+          <a:noFill/>
+        </p:spPr>
+        <p:txBody>
+          <a:bodyPr wrap="square" rtlCol="0">
+            <a:spAutoFit/>
+          </a:bodyPr>
+          <a:lstStyle/>
+          <a:p>
+            <a:r>
+              <a:rPr lang="zh-CN" altLang="en-US" dirty="0" smtClean="0"/>
+              <a:t>调用处理器接口</a:t>
+            </a:r>
+            <a:endParaRPr lang="zh-CN" altLang="en-US" dirty="0"/>
+          </a:p>
+        </p:txBody>
+      </p:sp>
+      <p:cxnSp>
+        <p:nvCxnSpPr>
+          <p:cNvPr id="108" name="肘形连接符 107"/>
+          <p:cNvCxnSpPr>
+            <a:stCxn id="6" idx="1"/>
+            <a:endCxn id="4" idx="1"/>
+          </p:cNvCxnSpPr>
+          <p:nvPr/>
+        </p:nvCxnSpPr>
+        <p:spPr>
+          <a:xfrm rot="10800000" flipH="1">
+            <a:off x="742667" y="1555845"/>
+            <a:ext cx="1178592" cy="2417151"/>
+          </a:xfrm>
+          <a:prstGeom prst="bentConnector3">
+            <a:avLst>
+              <a:gd name="adj1" fmla="val -19396"/>
+            </a:avLst>
+          </a:prstGeom>
+          <a:ln w="12700">
+            <a:prstDash val="dash"/>
+            <a:tailEnd type="triangle"/>
+          </a:ln>
+        </p:spPr>
+        <p:style>
+          <a:lnRef idx="1">
+            <a:schemeClr val="accent1"/>
+          </a:lnRef>
+          <a:fillRef idx="0">
+            <a:schemeClr val="accent1"/>
+          </a:fillRef>
+          <a:effectRef idx="0">
+            <a:schemeClr val="accent1"/>
+          </a:effectRef>
+          <a:fontRef idx="minor">
+            <a:schemeClr val="tx1"/>
+          </a:fontRef>
+        </p:style>
+      </p:cxnSp>
+      <p:sp>
+        <p:nvSpPr>
+          <p:cNvPr id="115" name="矩形 114"/>
+          <p:cNvSpPr/>
+          <p:nvPr/>
+        </p:nvSpPr>
+        <p:spPr>
+          <a:xfrm>
+            <a:off x="3077890" y="3562097"/>
+            <a:ext cx="1796716" cy="821796"/>
+          </a:xfrm>
+          <a:prstGeom prst="rect">
+            <a:avLst/>
+          </a:prstGeom>
+        </p:spPr>
+        <p:style>
+          <a:lnRef idx="0">
+            <a:schemeClr val="accent2"/>
+          </a:lnRef>
+          <a:fillRef idx="3">
+            <a:schemeClr val="accent2"/>
+          </a:fillRef>
+          <a:effectRef idx="3">
+            <a:schemeClr val="accent2"/>
+          </a:effectRef>
+          <a:fontRef idx="minor">
+            <a:schemeClr val="lt1"/>
+          </a:fontRef>
+        </p:style>
+        <p:txBody>
+          <a:bodyPr rtlCol="0" anchor="ctr"/>
+          <a:lstStyle/>
+          <a:p>
+            <a:pPr algn="ctr"/>
+            <a:endParaRPr lang="en-US" altLang="zh-CN" dirty="0" smtClean="0">
+              <a:solidFill>
+                <a:schemeClr val="tx1">
+                  <a:lumMod val="95000"/>
+                  <a:lumOff val="5000"/>
+                </a:schemeClr>
+              </a:solidFill>
+            </a:endParaRPr>
+          </a:p>
+          <a:p>
+            <a:pPr algn="ctr"/>
+            <a:r>
+              <a:rPr lang="en-US" altLang="zh-CN" sz="1600" b="1" dirty="0" smtClean="0">
+                <a:solidFill>
+                  <a:schemeClr val="tx1">
+                    <a:lumMod val="95000"/>
+                    <a:lumOff val="5000"/>
+                  </a:schemeClr>
+                </a:solidFill>
+              </a:rPr>
+              <a:t>$Proxy1</a:t>
+            </a:r>
+            <a:endParaRPr lang="en-US" altLang="zh-CN" sz="1600" b="1" dirty="0">
+              <a:solidFill>
+                <a:schemeClr val="tx1">
+                  <a:lumMod val="95000"/>
+                  <a:lumOff val="5000"/>
+                </a:schemeClr>
+              </a:solidFill>
+            </a:endParaRPr>
+          </a:p>
+          <a:p>
+            <a:pPr algn="ctr"/>
+            <a:r>
+              <a:rPr lang="en-US" altLang="zh-CN" sz="1600" b="1" dirty="0">
+                <a:solidFill>
+                  <a:schemeClr val="tx1">
+                    <a:lumMod val="95000"/>
+                    <a:lumOff val="5000"/>
+                  </a:schemeClr>
+                </a:solidFill>
+              </a:rPr>
+              <a:t>pass</a:t>
+            </a:r>
+            <a:r>
+              <a:rPr lang="en-US" altLang="zh-CN" sz="1600" b="1" dirty="0">
+                <a:solidFill>
+                  <a:schemeClr val="tx1">
+                    <a:lumMod val="95000"/>
+                    <a:lumOff val="5000"/>
+                  </a:schemeClr>
+                </a:solidFill>
+              </a:rPr>
+              <a:t>()</a:t>
+            </a:r>
+            <a:endParaRPr lang="zh-CN" altLang="en-US" sz="1600" b="1" dirty="0">
+              <a:solidFill>
+                <a:schemeClr val="tx1">
+                  <a:lumMod val="95000"/>
+                  <a:lumOff val="5000"/>
+                </a:schemeClr>
+              </a:solidFill>
+            </a:endParaRPr>
+          </a:p>
+          <a:p>
+            <a:pPr algn="ctr"/>
+            <a:endParaRPr lang="zh-CN" altLang="en-US" dirty="0">
+              <a:solidFill>
+                <a:schemeClr val="tx1">
+                  <a:lumMod val="95000"/>
+                  <a:lumOff val="5000"/>
+                </a:schemeClr>
+              </a:solidFill>
+            </a:endParaRPr>
+          </a:p>
+        </p:txBody>
+      </p:sp>
+      <p:sp>
+        <p:nvSpPr>
+          <p:cNvPr id="118" name="矩形 117"/>
+          <p:cNvSpPr/>
+          <p:nvPr/>
+        </p:nvSpPr>
+        <p:spPr>
+          <a:xfrm>
+            <a:off x="3082076" y="2280830"/>
+            <a:ext cx="1796716" cy="794085"/>
+          </a:xfrm>
+          <a:prstGeom prst="rect">
+            <a:avLst/>
+          </a:prstGeom>
+        </p:spPr>
+        <p:style>
+          <a:lnRef idx="0">
+            <a:schemeClr val="accent6"/>
+          </a:lnRef>
+          <a:fillRef idx="3">
+            <a:schemeClr val="accent6"/>
+          </a:fillRef>
+          <a:effectRef idx="3">
+            <a:schemeClr val="accent6"/>
+          </a:effectRef>
+          <a:fontRef idx="minor">
+            <a:schemeClr val="lt1"/>
+          </a:fontRef>
+        </p:style>
+        <p:txBody>
+          <a:bodyPr rtlCol="0" anchor="ctr"/>
+          <a:lstStyle/>
+          <a:p>
+            <a:pPr algn="ctr"/>
+            <a:r>
+              <a:rPr lang="en-US" altLang="zh-CN" sz="1600" b="1" dirty="0" smtClean="0">
+                <a:solidFill>
+                  <a:schemeClr val="tx1">
+                    <a:lumMod val="95000"/>
+                    <a:lumOff val="5000"/>
+                  </a:schemeClr>
+                </a:solidFill>
+              </a:rPr>
+              <a:t>Tourist</a:t>
+            </a:r>
+          </a:p>
+          <a:p>
+            <a:pPr algn="ctr"/>
+            <a:r>
+              <a:rPr lang="en-US" altLang="zh-CN" sz="1600" b="1" dirty="0" smtClean="0">
+                <a:solidFill>
+                  <a:schemeClr val="tx1">
+                    <a:lumMod val="95000"/>
+                    <a:lumOff val="5000"/>
+                  </a:schemeClr>
+                </a:solidFill>
+              </a:rPr>
+              <a:t>pass</a:t>
+            </a:r>
+            <a:r>
+              <a:rPr lang="en-US" altLang="zh-CN" sz="1600" b="1" dirty="0">
+                <a:solidFill>
+                  <a:schemeClr val="tx1">
+                    <a:lumMod val="95000"/>
+                    <a:lumOff val="5000"/>
+                  </a:schemeClr>
+                </a:solidFill>
+              </a:rPr>
+              <a:t>()</a:t>
+            </a:r>
+            <a:endParaRPr lang="zh-CN" altLang="en-US" sz="1600" b="1" dirty="0">
+              <a:solidFill>
+                <a:schemeClr val="tx1">
+                  <a:lumMod val="95000"/>
+                  <a:lumOff val="5000"/>
+                </a:schemeClr>
+              </a:solidFill>
+            </a:endParaRPr>
+          </a:p>
+        </p:txBody>
+      </p:sp>
+      <p:cxnSp>
+        <p:nvCxnSpPr>
+          <p:cNvPr id="120" name="直接箭头连接符 119"/>
+          <p:cNvCxnSpPr>
+            <a:stCxn id="118" idx="0"/>
+            <a:endCxn id="4" idx="2"/>
+          </p:cNvCxnSpPr>
+          <p:nvPr/>
+        </p:nvCxnSpPr>
+        <p:spPr>
+          <a:xfrm flipH="1" flipV="1">
+            <a:off x="2819617" y="1892728"/>
+            <a:ext cx="1160817" cy="388102"/>
+          </a:xfrm>
+          <a:prstGeom prst="straightConnector1">
+            <a:avLst/>
+          </a:prstGeom>
+          <a:ln w="12700">
+            <a:prstDash val="dash"/>
+            <a:tailEnd type="triangle"/>
+          </a:ln>
+        </p:spPr>
+        <p:style>
+          <a:lnRef idx="1">
+            <a:schemeClr val="accent1"/>
+          </a:lnRef>
+          <a:fillRef idx="0">
+            <a:schemeClr val="accent1"/>
+          </a:fillRef>
+          <a:effectRef idx="0">
+            <a:schemeClr val="accent1"/>
+          </a:effectRef>
+          <a:fontRef idx="minor">
+            <a:schemeClr val="tx1"/>
+          </a:fontRef>
+        </p:style>
+      </p:cxnSp>
+      <p:cxnSp>
+        <p:nvCxnSpPr>
+          <p:cNvPr id="124" name="直接箭头连接符 123"/>
+          <p:cNvCxnSpPr>
+            <a:stCxn id="24" idx="0"/>
+            <a:endCxn id="115" idx="2"/>
+          </p:cNvCxnSpPr>
+          <p:nvPr/>
+        </p:nvCxnSpPr>
+        <p:spPr>
+          <a:xfrm flipV="1">
+            <a:off x="2819617" y="4383893"/>
+            <a:ext cx="1156631" cy="783847"/>
+          </a:xfrm>
+          <a:prstGeom prst="straightConnector1">
+            <a:avLst/>
+          </a:prstGeom>
+          <a:ln>
+            <a:tailEnd type="triangle"/>
+          </a:ln>
+        </p:spPr>
+        <p:style>
+          <a:lnRef idx="1">
+            <a:schemeClr val="accent1"/>
+          </a:lnRef>
+          <a:fillRef idx="0">
+            <a:schemeClr val="accent1"/>
+          </a:fillRef>
+          <a:effectRef idx="0">
+            <a:schemeClr val="accent1"/>
+          </a:effectRef>
+          <a:fontRef idx="minor">
+            <a:schemeClr val="tx1"/>
+          </a:fontRef>
+        </p:style>
+      </p:cxnSp>
+      <p:cxnSp>
+        <p:nvCxnSpPr>
+          <p:cNvPr id="126" name="直接箭头连接符 125"/>
+          <p:cNvCxnSpPr>
+            <a:stCxn id="115" idx="0"/>
+            <a:endCxn id="118" idx="2"/>
+          </p:cNvCxnSpPr>
+          <p:nvPr/>
+        </p:nvCxnSpPr>
+        <p:spPr>
+          <a:xfrm flipV="1">
+            <a:off x="3976248" y="3074915"/>
+            <a:ext cx="4186" cy="487182"/>
+          </a:xfrm>
+          <a:prstGeom prst="straightConnector1">
+            <a:avLst/>
+          </a:prstGeom>
+          <a:ln>
+            <a:tailEnd type="triangle"/>
+          </a:ln>
+        </p:spPr>
+        <p:style>
+          <a:lnRef idx="1">
+            <a:schemeClr val="accent1"/>
+          </a:lnRef>
+          <a:fillRef idx="0">
+            <a:schemeClr val="accent1"/>
+          </a:fillRef>
+          <a:effectRef idx="0">
+            <a:schemeClr val="accent1"/>
+          </a:effectRef>
+          <a:fontRef idx="minor">
+            <a:schemeClr val="tx1"/>
+          </a:fontRef>
+        </p:style>
+      </p:cxnSp>
+      <p:cxnSp>
+        <p:nvCxnSpPr>
+          <p:cNvPr id="128" name="直接箭头连接符 127"/>
+          <p:cNvCxnSpPr>
+            <a:stCxn id="115" idx="3"/>
+            <a:endCxn id="4" idx="3"/>
+          </p:cNvCxnSpPr>
+          <p:nvPr/>
+        </p:nvCxnSpPr>
+        <p:spPr>
+          <a:xfrm flipH="1" flipV="1">
+            <a:off x="3717975" y="1555844"/>
+            <a:ext cx="1156631" cy="2417151"/>
+          </a:xfrm>
+          <a:prstGeom prst="bentConnector3">
+            <a:avLst>
+              <a:gd name="adj1" fmla="val -19764"/>
+            </a:avLst>
+          </a:prstGeom>
+          <a:ln w="12700">
+            <a:prstDash val="dash"/>
+            <a:tailEnd type="triangle"/>
+          </a:ln>
+        </p:spPr>
+        <p:style>
+          <a:lnRef idx="1">
+            <a:schemeClr val="accent1"/>
+          </a:lnRef>
+          <a:fillRef idx="0">
+            <a:schemeClr val="accent1"/>
+          </a:fillRef>
+          <a:effectRef idx="0">
+            <a:schemeClr val="accent1"/>
+          </a:effectRef>
+          <a:fontRef idx="minor">
+            <a:schemeClr val="tx1"/>
+          </a:fontRef>
+        </p:style>
+      </p:cxnSp>
+      <p:sp>
+        <p:nvSpPr>
+          <p:cNvPr id="195" name="文本框 194"/>
+          <p:cNvSpPr txBox="1"/>
+          <p:nvPr/>
+        </p:nvSpPr>
+        <p:spPr>
+          <a:xfrm>
+            <a:off x="3692399" y="4460177"/>
+            <a:ext cx="1466057" cy="369332"/>
+          </a:xfrm>
+          <a:prstGeom prst="rect">
+            <a:avLst/>
+          </a:prstGeom>
+          <a:noFill/>
+        </p:spPr>
+        <p:txBody>
+          <a:bodyPr wrap="square" rtlCol="0">
+            <a:spAutoFit/>
+          </a:bodyPr>
+          <a:lstStyle/>
+          <a:p>
+            <a:r>
+              <a:rPr lang="zh-CN" altLang="en-US" dirty="0" smtClean="0"/>
+              <a:t>临时代理类</a:t>
+            </a:r>
+            <a:r>
+              <a:rPr lang="en-US" altLang="zh-CN" dirty="0" smtClean="0"/>
+              <a:t>2</a:t>
+            </a:r>
+            <a:endParaRPr lang="zh-CN" altLang="en-US" dirty="0"/>
+          </a:p>
+        </p:txBody>
+      </p:sp>
+      <p:sp>
+        <p:nvSpPr>
+          <p:cNvPr id="198" name="文本框 197"/>
+          <p:cNvSpPr txBox="1"/>
+          <p:nvPr/>
+        </p:nvSpPr>
+        <p:spPr>
+          <a:xfrm>
+            <a:off x="3259938" y="3132406"/>
+            <a:ext cx="685798" cy="369332"/>
+          </a:xfrm>
+          <a:prstGeom prst="rect">
+            <a:avLst/>
+          </a:prstGeom>
+          <a:noFill/>
+        </p:spPr>
+        <p:txBody>
+          <a:bodyPr wrap="square" rtlCol="0">
+            <a:spAutoFit/>
+          </a:bodyPr>
+          <a:lstStyle/>
+          <a:p>
+            <a:r>
+              <a:rPr lang="zh-CN" altLang="en-US" dirty="0">
+                <a:solidFill>
+                  <a:schemeClr val="tx1">
+                    <a:lumMod val="95000"/>
+                    <a:lumOff val="5000"/>
+                  </a:schemeClr>
+                </a:solidFill>
+              </a:rPr>
+              <a:t>代理</a:t>
+            </a:r>
+          </a:p>
+        </p:txBody>
+      </p:sp>
+    </p:spTree>
+    <p:extLst>
+      <p:ext uri="{BB962C8B-B14F-4D97-AF65-F5344CB8AC3E}">
+        <p14:creationId xmlns:p14="http://schemas.microsoft.com/office/powerpoint/2010/main" val="1041211784"/>
+      </p:ext>
+    </p:extLst>
+  </p:cSld>
+  <p:clrMapOvr>
+    <a:masterClrMapping/>
+  </p:clrMapOvr>
+  <p:timing>
+    <p:tnLst>
+      <p:par>
+        <p:cTn id="1" dur="indefinite" restart="never" nodeType="tmRoot"/>
+      </p:par>
+    </p:tnLst>
+  </p:timing>
+</p:sld>
+</file>
+
+<file path=ppt/slides/slide4.xml><?xml version="1.0" encoding="utf-8"?>
+<p:sld xmlns:a="http://schemas.openxmlformats.org/drawingml/2006/main" xmlns:r="http://schemas.openxmlformats.org/officeDocument/2006/relationships" xmlns:p="http://schemas.openxmlformats.org/presentationml/2006/main">
+  <p:cSld>
+    <p:spTree>
+      <p:nvGrpSpPr>
+        <p:cNvPr id="1" name=""/>
+        <p:cNvGrpSpPr/>
+        <p:nvPr/>
+      </p:nvGrpSpPr>
+      <p:grpSpPr>
+        <a:xfrm>
+          <a:off x="0" y="0"/>
+          <a:ext cx="0" cy="0"/>
+          <a:chOff x="0" y="0"/>
+          <a:chExt cx="0" cy="0"/>
+        </a:xfrm>
+      </p:grpSpPr>
+      <p:sp>
+        <p:nvSpPr>
+          <p:cNvPr id="4" name="圆角矩形 3"/>
+          <p:cNvSpPr/>
+          <p:nvPr/>
+        </p:nvSpPr>
+        <p:spPr>
+          <a:xfrm>
+            <a:off x="5975683" y="416092"/>
+            <a:ext cx="2053389" cy="794084"/>
+          </a:xfrm>
+          <a:prstGeom prst="roundRect">
+            <a:avLst/>
+          </a:prstGeom>
+        </p:spPr>
+        <p:style>
+          <a:lnRef idx="2">
+            <a:schemeClr val="accent2">
+              <a:shade val="50000"/>
+            </a:schemeClr>
+          </a:lnRef>
+          <a:fillRef idx="1">
+            <a:schemeClr val="accent2"/>
+          </a:fillRef>
+          <a:effectRef idx="0">
+            <a:schemeClr val="accent2"/>
+          </a:effectRef>
+          <a:fontRef idx="minor">
+            <a:schemeClr val="lt1"/>
+          </a:fontRef>
+        </p:style>
+        <p:txBody>
+          <a:bodyPr rtlCol="0" anchor="ctr"/>
+          <a:lstStyle/>
+          <a:p>
+            <a:pPr algn="ctr"/>
+            <a:r>
+              <a:rPr lang="en-US" altLang="zh-CN" dirty="0" smtClean="0"/>
+              <a:t>Proxy</a:t>
+            </a:r>
+          </a:p>
+          <a:p>
+            <a:pPr algn="ctr"/>
+            <a:r>
+              <a:rPr lang="en-US" altLang="zh-CN" dirty="0" smtClean="0"/>
+              <a:t>.newProxyInstace()</a:t>
+            </a:r>
+            <a:endParaRPr lang="zh-CN" altLang="en-US" dirty="0"/>
+          </a:p>
+        </p:txBody>
+      </p:sp>
+      <p:sp>
+        <p:nvSpPr>
+          <p:cNvPr id="5" name="圆角矩形 4"/>
+          <p:cNvSpPr/>
+          <p:nvPr/>
+        </p:nvSpPr>
+        <p:spPr>
+          <a:xfrm>
+            <a:off x="2598822" y="397041"/>
+            <a:ext cx="2053388" cy="794084"/>
+          </a:xfrm>
+          <a:prstGeom prst="roundRect">
+            <a:avLst/>
+          </a:prstGeom>
+        </p:spPr>
+        <p:style>
+          <a:lnRef idx="2">
+            <a:schemeClr val="accent2">
+              <a:shade val="50000"/>
+            </a:schemeClr>
+          </a:lnRef>
+          <a:fillRef idx="1">
+            <a:schemeClr val="accent2"/>
+          </a:fillRef>
+          <a:effectRef idx="0">
+            <a:schemeClr val="accent2"/>
+          </a:effectRef>
+          <a:fontRef idx="minor">
+            <a:schemeClr val="lt1"/>
+          </a:fontRef>
+        </p:style>
+        <p:txBody>
+          <a:bodyPr rtlCol="0" anchor="ctr"/>
+          <a:lstStyle/>
+          <a:p>
+            <a:pPr algn="ctr"/>
+            <a:r>
+              <a:rPr lang="en-US" altLang="zh-CN" dirty="0" smtClean="0"/>
+              <a:t>cons</a:t>
+            </a:r>
+          </a:p>
+          <a:p>
+            <a:pPr algn="ctr"/>
+            <a:r>
+              <a:rPr lang="en-US" altLang="zh-CN" dirty="0" smtClean="0"/>
+              <a:t>.newInstance(h)</a:t>
+            </a:r>
+            <a:endParaRPr lang="zh-CN" altLang="en-US" dirty="0"/>
+          </a:p>
+        </p:txBody>
+      </p:sp>
+      <p:sp>
+        <p:nvSpPr>
+          <p:cNvPr id="6" name="圆角矩形 5"/>
+          <p:cNvSpPr/>
+          <p:nvPr/>
+        </p:nvSpPr>
+        <p:spPr>
+          <a:xfrm>
+            <a:off x="9649326" y="416092"/>
+            <a:ext cx="2053388" cy="794084"/>
+          </a:xfrm>
+          <a:prstGeom prst="roundRect">
+            <a:avLst/>
+          </a:prstGeom>
+        </p:spPr>
+        <p:style>
+          <a:lnRef idx="2">
+            <a:schemeClr val="accent1">
+              <a:shade val="50000"/>
+            </a:schemeClr>
+          </a:lnRef>
+          <a:fillRef idx="1">
+            <a:schemeClr val="accent1"/>
+          </a:fillRef>
+          <a:effectRef idx="0">
+            <a:schemeClr val="accent1"/>
+          </a:effectRef>
+          <a:fontRef idx="minor">
+            <a:schemeClr val="lt1"/>
+          </a:fontRef>
+        </p:style>
+        <p:txBody>
+          <a:bodyPr rtlCol="0" anchor="ctr"/>
+          <a:lstStyle/>
+          <a:p>
+            <a:pPr algn="ctr"/>
+            <a:r>
+              <a:rPr lang="en-US" altLang="zh-CN" dirty="0" smtClean="0"/>
+              <a:t>$Proxy0</a:t>
+            </a:r>
+            <a:r>
+              <a:rPr lang="zh-CN" altLang="en-US" dirty="0" smtClean="0"/>
+              <a:t>对象</a:t>
+            </a:r>
+            <a:endParaRPr lang="zh-CN" altLang="en-US" dirty="0"/>
+          </a:p>
+        </p:txBody>
+      </p:sp>
+      <p:sp>
+        <p:nvSpPr>
+          <p:cNvPr id="7" name="圆角矩形 6"/>
+          <p:cNvSpPr/>
+          <p:nvPr/>
+        </p:nvSpPr>
+        <p:spPr>
+          <a:xfrm>
+            <a:off x="2590801" y="5654845"/>
+            <a:ext cx="2053388" cy="794084"/>
+          </a:xfrm>
+          <a:prstGeom prst="roundRect">
+            <a:avLst/>
+          </a:prstGeom>
+        </p:spPr>
+        <p:style>
+          <a:lnRef idx="2">
+            <a:schemeClr val="accent2">
+              <a:shade val="50000"/>
+            </a:schemeClr>
+          </a:lnRef>
+          <a:fillRef idx="1">
+            <a:schemeClr val="accent2"/>
+          </a:fillRef>
+          <a:effectRef idx="0">
+            <a:schemeClr val="accent2"/>
+          </a:effectRef>
+          <a:fontRef idx="minor">
+            <a:schemeClr val="lt1"/>
+          </a:fontRef>
+        </p:style>
+        <p:txBody>
+          <a:bodyPr rtlCol="0" anchor="ctr"/>
+          <a:lstStyle/>
+          <a:p>
+            <a:pPr algn="ctr"/>
+            <a:r>
+              <a:rPr lang="en-US" altLang="zh-CN" dirty="0" smtClean="0"/>
+              <a:t>ProxyGenerator</a:t>
+            </a:r>
+          </a:p>
+          <a:p>
+            <a:pPr algn="ctr"/>
+            <a:r>
+              <a:rPr lang="en-US" altLang="zh-CN" dirty="0" smtClean="0"/>
+              <a:t>.generateProxyClass()</a:t>
+            </a:r>
+            <a:endParaRPr lang="zh-CN" altLang="en-US" dirty="0"/>
+          </a:p>
+        </p:txBody>
+      </p:sp>
+      <p:sp>
+        <p:nvSpPr>
+          <p:cNvPr id="9" name="圆角矩形 8"/>
+          <p:cNvSpPr/>
+          <p:nvPr/>
+        </p:nvSpPr>
+        <p:spPr>
+          <a:xfrm>
+            <a:off x="2590801" y="1509965"/>
+            <a:ext cx="2053388" cy="794084"/>
+          </a:xfrm>
+          <a:prstGeom prst="roundRect">
+            <a:avLst/>
+          </a:prstGeom>
+        </p:spPr>
+        <p:style>
+          <a:lnRef idx="2">
+            <a:schemeClr val="accent2">
+              <a:shade val="50000"/>
+            </a:schemeClr>
+          </a:lnRef>
+          <a:fillRef idx="1">
+            <a:schemeClr val="accent2"/>
+          </a:fillRef>
+          <a:effectRef idx="0">
+            <a:schemeClr val="accent2"/>
+          </a:effectRef>
+          <a:fontRef idx="minor">
+            <a:schemeClr val="lt1"/>
+          </a:fontRef>
+        </p:style>
+        <p:txBody>
+          <a:bodyPr rtlCol="0" anchor="ctr"/>
+          <a:lstStyle/>
+          <a:p>
+            <a:pPr algn="ctr"/>
+            <a:r>
+              <a:rPr lang="en-US" altLang="zh-CN" dirty="0" smtClean="0"/>
+              <a:t>Class&lt;?&gt; = getProxyClass0()</a:t>
+            </a:r>
+            <a:endParaRPr lang="zh-CN" altLang="en-US" dirty="0"/>
+          </a:p>
+        </p:txBody>
+      </p:sp>
+      <p:sp>
+        <p:nvSpPr>
+          <p:cNvPr id="11" name="圆角矩形 10"/>
+          <p:cNvSpPr/>
+          <p:nvPr/>
+        </p:nvSpPr>
+        <p:spPr>
+          <a:xfrm>
+            <a:off x="433139" y="4660232"/>
+            <a:ext cx="2053389" cy="794084"/>
+          </a:xfrm>
+          <a:prstGeom prst="roundRect">
+            <a:avLst/>
+          </a:prstGeom>
+        </p:spPr>
+        <p:style>
+          <a:lnRef idx="2">
+            <a:schemeClr val="accent1">
+              <a:shade val="50000"/>
+            </a:schemeClr>
+          </a:lnRef>
+          <a:fillRef idx="1">
+            <a:schemeClr val="accent1"/>
+          </a:fillRef>
+          <a:effectRef idx="0">
+            <a:schemeClr val="accent1"/>
+          </a:effectRef>
+          <a:fontRef idx="minor">
+            <a:schemeClr val="lt1"/>
+          </a:fontRef>
+        </p:style>
+        <p:txBody>
+          <a:bodyPr rtlCol="0" anchor="ctr"/>
+          <a:lstStyle/>
+          <a:p>
+            <a:pPr algn="ctr"/>
+            <a:r>
+              <a:rPr lang="en-US" altLang="zh-CN" dirty="0" smtClean="0"/>
+              <a:t>byte[] </a:t>
+            </a:r>
+            <a:r>
+              <a:rPr lang="en-US" altLang="zh-CN" dirty="0" err="1" smtClean="0"/>
+              <a:t>proxyClassFile</a:t>
+            </a:r>
+            <a:endParaRPr lang="zh-CN" altLang="en-US" dirty="0"/>
+          </a:p>
+        </p:txBody>
+      </p:sp>
+      <p:sp>
+        <p:nvSpPr>
+          <p:cNvPr id="18" name="圆角矩形 17"/>
+          <p:cNvSpPr/>
+          <p:nvPr/>
+        </p:nvSpPr>
+        <p:spPr>
+          <a:xfrm>
+            <a:off x="2590801" y="4098760"/>
+            <a:ext cx="2053388" cy="794084"/>
+          </a:xfrm>
+          <a:prstGeom prst="roundRect">
+            <a:avLst/>
+          </a:prstGeom>
+        </p:spPr>
+        <p:style>
+          <a:lnRef idx="2">
+            <a:schemeClr val="accent2">
+              <a:shade val="50000"/>
+            </a:schemeClr>
+          </a:lnRef>
+          <a:fillRef idx="1">
+            <a:schemeClr val="accent2"/>
+          </a:fillRef>
+          <a:effectRef idx="0">
+            <a:schemeClr val="accent2"/>
+          </a:effectRef>
+          <a:fontRef idx="minor">
+            <a:schemeClr val="lt1"/>
+          </a:fontRef>
+        </p:style>
+        <p:txBody>
+          <a:bodyPr rtlCol="0" anchor="ctr"/>
+          <a:lstStyle/>
+          <a:p>
+            <a:pPr algn="ctr"/>
+            <a:r>
+              <a:rPr lang="en-US" altLang="zh-CN" dirty="0" smtClean="0"/>
+              <a:t>defineClass0()</a:t>
+            </a:r>
+            <a:endParaRPr lang="zh-CN" altLang="en-US" dirty="0"/>
+          </a:p>
+        </p:txBody>
+      </p:sp>
+      <p:sp>
+        <p:nvSpPr>
+          <p:cNvPr id="22" name="圆角矩形 21"/>
+          <p:cNvSpPr/>
+          <p:nvPr/>
+        </p:nvSpPr>
+        <p:spPr>
+          <a:xfrm>
+            <a:off x="2566739" y="2827422"/>
+            <a:ext cx="2053388" cy="794084"/>
+          </a:xfrm>
+          <a:prstGeom prst="roundRect">
+            <a:avLst/>
+          </a:prstGeom>
+        </p:spPr>
+        <p:style>
+          <a:lnRef idx="2">
+            <a:schemeClr val="accent2">
+              <a:shade val="50000"/>
+            </a:schemeClr>
+          </a:lnRef>
+          <a:fillRef idx="1">
+            <a:schemeClr val="accent2"/>
+          </a:fillRef>
+          <a:effectRef idx="0">
+            <a:schemeClr val="accent2"/>
+          </a:effectRef>
+          <a:fontRef idx="minor">
+            <a:schemeClr val="lt1"/>
+          </a:fontRef>
+        </p:style>
+        <p:txBody>
+          <a:bodyPr rtlCol="0" anchor="ctr"/>
+          <a:lstStyle/>
+          <a:p>
+            <a:pPr algn="ctr"/>
+            <a:r>
+              <a:rPr lang="en-US" altLang="zh-CN" dirty="0" smtClean="0"/>
+              <a:t>ProxyClassFactory</a:t>
+            </a:r>
+            <a:endParaRPr lang="en-US" altLang="zh-CN" dirty="0"/>
+          </a:p>
+          <a:p>
+            <a:pPr algn="ctr"/>
+            <a:r>
+              <a:rPr lang="en-US" altLang="zh-CN" dirty="0" smtClean="0"/>
+              <a:t>.apply()</a:t>
+            </a:r>
+            <a:endParaRPr lang="zh-CN" altLang="en-US" dirty="0"/>
+          </a:p>
+        </p:txBody>
+      </p:sp>
+      <p:cxnSp>
+        <p:nvCxnSpPr>
+          <p:cNvPr id="24" name="直接箭头连接符 23"/>
+          <p:cNvCxnSpPr>
+            <a:stCxn id="4" idx="3"/>
+            <a:endCxn id="6" idx="1"/>
+          </p:cNvCxnSpPr>
+          <p:nvPr/>
+        </p:nvCxnSpPr>
+        <p:spPr>
+          <a:xfrm>
+            <a:off x="8029072" y="813134"/>
+            <a:ext cx="1620254" cy="0"/>
+          </a:xfrm>
+          <a:prstGeom prst="straightConnector1">
+            <a:avLst/>
+          </a:prstGeom>
+          <a:ln>
+            <a:tailEnd type="triangle"/>
+          </a:ln>
+        </p:spPr>
+        <p:style>
+          <a:lnRef idx="1">
+            <a:schemeClr val="accent1"/>
+          </a:lnRef>
+          <a:fillRef idx="0">
+            <a:schemeClr val="accent1"/>
+          </a:fillRef>
+          <a:effectRef idx="0">
+            <a:schemeClr val="accent1"/>
+          </a:effectRef>
+          <a:fontRef idx="minor">
+            <a:schemeClr val="tx1"/>
+          </a:fontRef>
+        </p:style>
+      </p:cxnSp>
+      <p:cxnSp>
+        <p:nvCxnSpPr>
+          <p:cNvPr id="29" name="直接箭头连接符 28"/>
+          <p:cNvCxnSpPr>
+            <a:stCxn id="5" idx="3"/>
+            <a:endCxn id="4" idx="1"/>
+          </p:cNvCxnSpPr>
+          <p:nvPr/>
+        </p:nvCxnSpPr>
+        <p:spPr>
+          <a:xfrm>
+            <a:off x="4652210" y="794083"/>
+            <a:ext cx="1323473" cy="19051"/>
+          </a:xfrm>
+          <a:prstGeom prst="straightConnector1">
+            <a:avLst/>
+          </a:prstGeom>
+          <a:ln>
+            <a:tailEnd type="triangle"/>
+          </a:ln>
+        </p:spPr>
+        <p:style>
+          <a:lnRef idx="1">
+            <a:schemeClr val="accent1"/>
+          </a:lnRef>
+          <a:fillRef idx="0">
+            <a:schemeClr val="accent1"/>
+          </a:fillRef>
+          <a:effectRef idx="0">
+            <a:schemeClr val="accent1"/>
+          </a:effectRef>
+          <a:fontRef idx="minor">
+            <a:schemeClr val="tx1"/>
+          </a:fontRef>
+        </p:style>
+      </p:cxnSp>
+      <p:cxnSp>
+        <p:nvCxnSpPr>
+          <p:cNvPr id="50" name="直接箭头连接符 49"/>
+          <p:cNvCxnSpPr>
+            <a:stCxn id="22" idx="0"/>
+            <a:endCxn id="9" idx="2"/>
+          </p:cNvCxnSpPr>
+          <p:nvPr/>
+        </p:nvCxnSpPr>
+        <p:spPr>
+          <a:xfrm flipV="1">
+            <a:off x="3593433" y="2304049"/>
+            <a:ext cx="24062" cy="523373"/>
+          </a:xfrm>
+          <a:prstGeom prst="straightConnector1">
+            <a:avLst/>
+          </a:prstGeom>
+          <a:ln>
+            <a:tailEnd type="triangle"/>
+          </a:ln>
+        </p:spPr>
+        <p:style>
+          <a:lnRef idx="1">
+            <a:schemeClr val="accent1"/>
+          </a:lnRef>
+          <a:fillRef idx="0">
+            <a:schemeClr val="accent1"/>
+          </a:fillRef>
+          <a:effectRef idx="0">
+            <a:schemeClr val="accent1"/>
+          </a:effectRef>
+          <a:fontRef idx="minor">
+            <a:schemeClr val="tx1"/>
+          </a:fontRef>
+        </p:style>
+      </p:cxnSp>
+      <p:cxnSp>
+        <p:nvCxnSpPr>
+          <p:cNvPr id="57" name="直接箭头连接符 56"/>
+          <p:cNvCxnSpPr>
+            <a:stCxn id="7" idx="0"/>
+            <a:endCxn id="18" idx="2"/>
+          </p:cNvCxnSpPr>
+          <p:nvPr/>
+        </p:nvCxnSpPr>
+        <p:spPr>
+          <a:xfrm flipV="1">
+            <a:off x="3617495" y="4892844"/>
+            <a:ext cx="0" cy="762001"/>
+          </a:xfrm>
+          <a:prstGeom prst="straightConnector1">
+            <a:avLst/>
+          </a:prstGeom>
+          <a:ln>
+            <a:tailEnd type="triangle"/>
+          </a:ln>
+        </p:spPr>
+        <p:style>
+          <a:lnRef idx="1">
+            <a:schemeClr val="accent1"/>
+          </a:lnRef>
+          <a:fillRef idx="0">
+            <a:schemeClr val="accent1"/>
+          </a:fillRef>
+          <a:effectRef idx="0">
+            <a:schemeClr val="accent1"/>
+          </a:effectRef>
+          <a:fontRef idx="minor">
+            <a:schemeClr val="tx1"/>
+          </a:fontRef>
+        </p:style>
+      </p:cxnSp>
+      <p:cxnSp>
+        <p:nvCxnSpPr>
+          <p:cNvPr id="63" name="直接箭头连接符 62"/>
+          <p:cNvCxnSpPr>
+            <a:stCxn id="18" idx="0"/>
+            <a:endCxn id="22" idx="2"/>
+          </p:cNvCxnSpPr>
+          <p:nvPr/>
+        </p:nvCxnSpPr>
+        <p:spPr>
+          <a:xfrm flipH="1" flipV="1">
+            <a:off x="3593433" y="3621506"/>
+            <a:ext cx="24062" cy="477254"/>
+          </a:xfrm>
+          <a:prstGeom prst="straightConnector1">
+            <a:avLst/>
+          </a:prstGeom>
+          <a:ln>
+            <a:tailEnd type="triangle"/>
+          </a:ln>
+        </p:spPr>
+        <p:style>
+          <a:lnRef idx="1">
+            <a:schemeClr val="accent1"/>
+          </a:lnRef>
+          <a:fillRef idx="0">
+            <a:schemeClr val="accent1"/>
+          </a:fillRef>
+          <a:effectRef idx="0">
+            <a:schemeClr val="accent1"/>
+          </a:effectRef>
+          <a:fontRef idx="minor">
+            <a:schemeClr val="tx1"/>
+          </a:fontRef>
+        </p:style>
+      </p:cxnSp>
+      <p:sp>
+        <p:nvSpPr>
+          <p:cNvPr id="72" name="圆角矩形 71"/>
+          <p:cNvSpPr/>
+          <p:nvPr/>
+        </p:nvSpPr>
+        <p:spPr>
+          <a:xfrm>
+            <a:off x="4948989" y="3366837"/>
+            <a:ext cx="2053389" cy="794084"/>
+          </a:xfrm>
+          <a:prstGeom prst="roundRect">
+            <a:avLst/>
+          </a:prstGeom>
+        </p:spPr>
+        <p:style>
+          <a:lnRef idx="2">
+            <a:schemeClr val="accent1">
+              <a:shade val="50000"/>
+            </a:schemeClr>
+          </a:lnRef>
+          <a:fillRef idx="1">
+            <a:schemeClr val="accent1"/>
+          </a:fillRef>
+          <a:effectRef idx="0">
+            <a:schemeClr val="accent1"/>
+          </a:effectRef>
+          <a:fontRef idx="minor">
+            <a:schemeClr val="lt1"/>
+          </a:fontRef>
+        </p:style>
+        <p:txBody>
+          <a:bodyPr rtlCol="0" anchor="ctr"/>
+          <a:lstStyle/>
+          <a:p>
+            <a:pPr algn="ctr"/>
+            <a:r>
+              <a:rPr lang="en-US" altLang="zh-CN" dirty="0" smtClean="0"/>
+              <a:t>Class&lt;?&gt; cl</a:t>
+            </a:r>
+            <a:endParaRPr lang="zh-CN" altLang="en-US" dirty="0"/>
+          </a:p>
+        </p:txBody>
+      </p:sp>
+      <p:sp>
+        <p:nvSpPr>
+          <p:cNvPr id="73" name="圆角矩形 72"/>
+          <p:cNvSpPr/>
+          <p:nvPr/>
+        </p:nvSpPr>
+        <p:spPr>
+          <a:xfrm>
+            <a:off x="4920917" y="2168693"/>
+            <a:ext cx="2053389" cy="794084"/>
+          </a:xfrm>
+          <a:prstGeom prst="roundRect">
+            <a:avLst/>
+          </a:prstGeom>
+        </p:spPr>
+        <p:style>
+          <a:lnRef idx="2">
+            <a:schemeClr val="accent1">
+              <a:shade val="50000"/>
+            </a:schemeClr>
+          </a:lnRef>
+          <a:fillRef idx="1">
+            <a:schemeClr val="accent1"/>
+          </a:fillRef>
+          <a:effectRef idx="0">
+            <a:schemeClr val="accent1"/>
+          </a:effectRef>
+          <a:fontRef idx="minor">
+            <a:schemeClr val="lt1"/>
+          </a:fontRef>
+        </p:style>
+        <p:txBody>
+          <a:bodyPr rtlCol="0" anchor="ctr"/>
+          <a:lstStyle/>
+          <a:p>
+            <a:pPr algn="ctr"/>
+            <a:r>
+              <a:rPr lang="en-US" altLang="zh-CN" dirty="0" smtClean="0"/>
+              <a:t>Class&lt;?&gt; cl</a:t>
+            </a:r>
+            <a:endParaRPr lang="zh-CN" altLang="en-US" dirty="0"/>
+          </a:p>
+        </p:txBody>
+      </p:sp>
+      <p:cxnSp>
+        <p:nvCxnSpPr>
+          <p:cNvPr id="75" name="直接箭头连接符 74"/>
+          <p:cNvCxnSpPr>
+            <a:stCxn id="9" idx="0"/>
+            <a:endCxn id="5" idx="2"/>
+          </p:cNvCxnSpPr>
+          <p:nvPr/>
+        </p:nvCxnSpPr>
+        <p:spPr>
+          <a:xfrm flipV="1">
+            <a:off x="3617495" y="1191125"/>
+            <a:ext cx="8021" cy="318840"/>
+          </a:xfrm>
+          <a:prstGeom prst="straightConnector1">
+            <a:avLst/>
+          </a:prstGeom>
+          <a:ln>
+            <a:tailEnd type="triangle"/>
+          </a:ln>
+        </p:spPr>
+        <p:style>
+          <a:lnRef idx="1">
+            <a:schemeClr val="accent1"/>
+          </a:lnRef>
+          <a:fillRef idx="0">
+            <a:schemeClr val="accent1"/>
+          </a:fillRef>
+          <a:effectRef idx="0">
+            <a:schemeClr val="accent1"/>
+          </a:effectRef>
+          <a:fontRef idx="minor">
+            <a:schemeClr val="tx1"/>
+          </a:fontRef>
+        </p:style>
+      </p:cxnSp>
+      <p:sp>
+        <p:nvSpPr>
+          <p:cNvPr id="79" name="矩形 78"/>
+          <p:cNvSpPr/>
+          <p:nvPr/>
+        </p:nvSpPr>
+        <p:spPr>
+          <a:xfrm>
+            <a:off x="2494548" y="5454316"/>
+            <a:ext cx="2253915" cy="1402682"/>
+          </a:xfrm>
+          <a:prstGeom prst="rect">
+            <a:avLst/>
+          </a:prstGeom>
+          <a:noFill/>
+          <a:ln w="57150">
+            <a:solidFill>
+              <a:srgbClr val="92D050"/>
+            </a:solidFill>
+          </a:ln>
+        </p:spPr>
+        <p:style>
+          <a:lnRef idx="2">
+            <a:schemeClr val="accent1">
+              <a:shade val="50000"/>
+            </a:schemeClr>
+          </a:lnRef>
+          <a:fillRef idx="1">
+            <a:schemeClr val="accent1"/>
+          </a:fillRef>
+          <a:effectRef idx="0">
+            <a:schemeClr val="accent1"/>
+          </a:effectRef>
+          <a:fontRef idx="minor">
+            <a:schemeClr val="lt1"/>
+          </a:fontRef>
+        </p:style>
+        <p:txBody>
+          <a:bodyPr rtlCol="0" anchor="ctr"/>
+          <a:lstStyle/>
+          <a:p>
+            <a:pPr algn="ctr"/>
+            <a:endParaRPr lang="zh-CN" altLang="en-US"/>
+          </a:p>
+        </p:txBody>
+      </p:sp>
+      <p:sp>
+        <p:nvSpPr>
+          <p:cNvPr id="80" name="矩形 79"/>
+          <p:cNvSpPr/>
+          <p:nvPr/>
+        </p:nvSpPr>
+        <p:spPr>
+          <a:xfrm>
+            <a:off x="2157662" y="2622889"/>
+            <a:ext cx="2662991" cy="1154526"/>
+          </a:xfrm>
+          <a:prstGeom prst="rect">
+            <a:avLst/>
+          </a:prstGeom>
+          <a:noFill/>
+          <a:ln w="57150">
+            <a:solidFill>
+              <a:srgbClr val="FF0000"/>
+            </a:solidFill>
+          </a:ln>
+        </p:spPr>
+        <p:style>
+          <a:lnRef idx="2">
+            <a:schemeClr val="accent1">
+              <a:shade val="50000"/>
+            </a:schemeClr>
+          </a:lnRef>
+          <a:fillRef idx="1">
+            <a:schemeClr val="accent1"/>
+          </a:fillRef>
+          <a:effectRef idx="0">
+            <a:schemeClr val="accent1"/>
+          </a:effectRef>
+          <a:fontRef idx="minor">
+            <a:schemeClr val="lt1"/>
+          </a:fontRef>
+        </p:style>
+        <p:txBody>
+          <a:bodyPr rtlCol="0" anchor="ctr"/>
+          <a:lstStyle/>
+          <a:p>
+            <a:pPr algn="ctr"/>
+            <a:endParaRPr lang="zh-CN" altLang="en-US"/>
+          </a:p>
+        </p:txBody>
+      </p:sp>
+    </p:spTree>
+    <p:extLst>
+      <p:ext uri="{BB962C8B-B14F-4D97-AF65-F5344CB8AC3E}">
+        <p14:creationId xmlns:p14="http://schemas.microsoft.com/office/powerpoint/2010/main" val="974033400"/>
+      </p:ext>
+    </p:extLst>
+  </p:cSld>
+  <p:clrMapOvr>
+    <a:masterClrMapping/>
+  </p:clrMapOvr>
+  <p:timing>
+    <p:tnLst>
+      <p:par>
+        <p:cTn id="1" dur="indefinite" restart="never" nodeType="tmRoot"/>
+      </p:par>
+    </p:tnLst>
+  </p:timing>
+</p:sld>
+</file>
+
+<file path=ppt/slides/slide5.xml><?xml version="1.0" encoding="utf-8"?>
+<p:sld xmlns:a="http://schemas.openxmlformats.org/drawingml/2006/main" xmlns:r="http://schemas.openxmlformats.org/officeDocument/2006/relationships" xmlns:p="http://schemas.openxmlformats.org/presentationml/2006/main">
+  <p:cSld>
+    <p:spTree>
+      <p:nvGrpSpPr>
+        <p:cNvPr id="1" name=""/>
+        <p:cNvGrpSpPr/>
+        <p:nvPr/>
+      </p:nvGrpSpPr>
+      <p:grpSpPr>
+        <a:xfrm>
+          <a:off x="0" y="0"/>
+          <a:ext cx="0" cy="0"/>
+          <a:chOff x="0" y="0"/>
+          <a:chExt cx="0" cy="0"/>
+        </a:xfrm>
+      </p:grpSpPr>
+      <p:sp>
+        <p:nvSpPr>
           <p:cNvPr id="2" name="圆角矩形 1"/>
           <p:cNvSpPr/>
           <p:nvPr/>
@@ -5583,7 +7948,7 @@
 </p:sld>
 </file>
 
-<file path=ppt/slides/slide4.xml><?xml version="1.0" encoding="utf-8"?>
+<file path=ppt/slides/slide6.xml><?xml version="1.0" encoding="utf-8"?>
 <p:sld xmlns:a="http://schemas.openxmlformats.org/drawingml/2006/main" xmlns:r="http://schemas.openxmlformats.org/officeDocument/2006/relationships" xmlns:p="http://schemas.openxmlformats.org/presentationml/2006/main">
   <p:cSld>
     <p:spTree>

--- a/MySpring/代理模式.pptx
+++ b/MySpring/代理模式.pptx
@@ -3184,14 +3184,6 @@
               </a:rPr>
               <a:t>SubwaySecurity</a:t>
             </a:r>
-            <a:endParaRPr lang="en-US" altLang="zh-CN" sz="1600" b="1" dirty="0">
-              <a:solidFill>
-                <a:schemeClr val="tx1">
-                  <a:lumMod val="95000"/>
-                  <a:lumOff val="5000"/>
-                </a:schemeClr>
-              </a:solidFill>
-            </a:endParaRPr>
           </a:p>
           <a:p>
             <a:pPr algn="ctr"/>
@@ -3204,18 +3196,7 @@
                   </a:schemeClr>
                 </a:solidFill>
               </a:rPr>
-              <a:t>pass</a:t>
-            </a:r>
-            <a:r>
-              <a:rPr lang="en-US" altLang="zh-CN" sz="1600" b="1" dirty="0">
-                <a:solidFill>
-                  <a:schemeClr val="tx1">
-                    <a:lumMod val="95000"/>
-                    <a:lumOff val="5000"/>
-                  </a:schemeClr>
-                </a:solidFill>
-              </a:rPr>
-              <a:t>()</a:t>
+              <a:t>pass()</a:t>
             </a:r>
             <a:endParaRPr lang="zh-CN" altLang="en-US" sz="1600" b="1" dirty="0">
               <a:solidFill>
@@ -3685,14 +3666,6 @@
               </a:rPr>
               <a:t>SubwaySecurity</a:t>
             </a:r>
-            <a:endParaRPr lang="en-US" altLang="zh-CN" sz="1600" b="1" dirty="0">
-              <a:solidFill>
-                <a:schemeClr val="tx1">
-                  <a:lumMod val="95000"/>
-                  <a:lumOff val="5000"/>
-                </a:schemeClr>
-              </a:solidFill>
-            </a:endParaRPr>
           </a:p>
           <a:p>
             <a:pPr algn="ctr"/>
@@ -3705,18 +3678,7 @@
                   </a:schemeClr>
                 </a:solidFill>
               </a:rPr>
-              <a:t>pass</a:t>
-            </a:r>
-            <a:r>
-              <a:rPr lang="en-US" altLang="zh-CN" sz="1600" b="1" dirty="0">
-                <a:solidFill>
-                  <a:schemeClr val="tx1">
-                    <a:lumMod val="95000"/>
-                    <a:lumOff val="5000"/>
-                  </a:schemeClr>
-                </a:solidFill>
-              </a:rPr>
-              <a:t>()</a:t>
+              <a:t>pass()</a:t>
             </a:r>
             <a:endParaRPr lang="zh-CN" altLang="en-US" sz="1600" b="1" dirty="0">
               <a:solidFill>
@@ -4054,18 +4016,7 @@
                   </a:schemeClr>
                 </a:solidFill>
               </a:rPr>
-              <a:t>pass</a:t>
-            </a:r>
-            <a:r>
-              <a:rPr lang="en-US" altLang="zh-CN" sz="1600" b="1" dirty="0">
-                <a:solidFill>
-                  <a:schemeClr val="tx1">
-                    <a:lumMod val="95000"/>
-                    <a:lumOff val="5000"/>
-                  </a:schemeClr>
-                </a:solidFill>
-              </a:rPr>
-              <a:t>()</a:t>
+              <a:t>pass()</a:t>
             </a:r>
             <a:endParaRPr lang="zh-CN" altLang="en-US" sz="1600" b="1" dirty="0">
               <a:solidFill>
@@ -4350,6 +4301,145 @@
             <a:r>
               <a:rPr lang="zh-CN" altLang="en-US" dirty="0" smtClean="0"/>
               <a:t>实现</a:t>
+            </a:r>
+            <a:endParaRPr lang="zh-CN" altLang="en-US" dirty="0"/>
+          </a:p>
+        </p:txBody>
+      </p:sp>
+      <p:sp>
+        <p:nvSpPr>
+          <p:cNvPr id="2" name="矩形 1"/>
+          <p:cNvSpPr/>
+          <p:nvPr/>
+        </p:nvSpPr>
+        <p:spPr>
+          <a:xfrm>
+            <a:off x="2959769" y="3237470"/>
+            <a:ext cx="4780548" cy="1260389"/>
+          </a:xfrm>
+          <a:prstGeom prst="rect">
+            <a:avLst/>
+          </a:prstGeom>
+          <a:noFill/>
+          <a:ln w="38100">
+            <a:solidFill>
+              <a:srgbClr val="FF0000"/>
+            </a:solidFill>
+            <a:prstDash val="dash"/>
+          </a:ln>
+        </p:spPr>
+        <p:style>
+          <a:lnRef idx="2">
+            <a:schemeClr val="accent1">
+              <a:shade val="50000"/>
+            </a:schemeClr>
+          </a:lnRef>
+          <a:fillRef idx="1">
+            <a:schemeClr val="accent1"/>
+          </a:fillRef>
+          <a:effectRef idx="0">
+            <a:schemeClr val="accent1"/>
+          </a:effectRef>
+          <a:fontRef idx="minor">
+            <a:schemeClr val="lt1"/>
+          </a:fontRef>
+        </p:style>
+        <p:txBody>
+          <a:bodyPr rtlCol="0" anchor="ctr"/>
+          <a:lstStyle/>
+          <a:p>
+            <a:pPr algn="ctr"/>
+            <a:endParaRPr lang="zh-CN" altLang="en-US"/>
+          </a:p>
+        </p:txBody>
+      </p:sp>
+      <p:sp>
+        <p:nvSpPr>
+          <p:cNvPr id="3" name="文本框 2"/>
+          <p:cNvSpPr txBox="1"/>
+          <p:nvPr/>
+        </p:nvSpPr>
+        <p:spPr>
+          <a:xfrm>
+            <a:off x="2640795" y="4634813"/>
+            <a:ext cx="5427379" cy="369332"/>
+          </a:xfrm>
+          <a:prstGeom prst="rect">
+            <a:avLst/>
+          </a:prstGeom>
+          <a:noFill/>
+        </p:spPr>
+        <p:txBody>
+          <a:bodyPr wrap="square" rtlCol="0">
+            <a:spAutoFit/>
+          </a:bodyPr>
+          <a:lstStyle/>
+          <a:p>
+            <a:r>
+              <a:rPr lang="zh-CN" altLang="en-US" dirty="0" smtClean="0"/>
+              <a:t>每个被代理类都对应一个代理类，容易造成“类爆炸”</a:t>
+            </a:r>
+            <a:endParaRPr lang="zh-CN" altLang="en-US" dirty="0"/>
+          </a:p>
+        </p:txBody>
+      </p:sp>
+      <p:sp>
+        <p:nvSpPr>
+          <p:cNvPr id="7" name="文本框 6"/>
+          <p:cNvSpPr txBox="1"/>
+          <p:nvPr/>
+        </p:nvSpPr>
+        <p:spPr>
+          <a:xfrm>
+            <a:off x="8679684" y="4629408"/>
+            <a:ext cx="1510154" cy="369332"/>
+          </a:xfrm>
+          <a:prstGeom prst="rect">
+            <a:avLst/>
+          </a:prstGeom>
+          <a:noFill/>
+        </p:spPr>
+        <p:txBody>
+          <a:bodyPr wrap="square" rtlCol="0">
+            <a:spAutoFit/>
+          </a:bodyPr>
+          <a:lstStyle/>
+          <a:p>
+            <a:pPr algn="ctr"/>
+            <a:r>
+              <a:rPr lang="zh-CN" altLang="en-US" dirty="0" smtClean="0"/>
+              <a:t>被代理类</a:t>
+            </a:r>
+            <a:endParaRPr lang="zh-CN" altLang="en-US" dirty="0"/>
+          </a:p>
+        </p:txBody>
+      </p:sp>
+      <p:sp>
+        <p:nvSpPr>
+          <p:cNvPr id="22" name="文本框 21"/>
+          <p:cNvSpPr txBox="1"/>
+          <p:nvPr/>
+        </p:nvSpPr>
+        <p:spPr>
+          <a:xfrm>
+            <a:off x="480165" y="4636704"/>
+            <a:ext cx="1510154" cy="369332"/>
+          </a:xfrm>
+          <a:prstGeom prst="rect">
+            <a:avLst/>
+          </a:prstGeom>
+          <a:noFill/>
+        </p:spPr>
+        <p:txBody>
+          <a:bodyPr wrap="square" rtlCol="0">
+            <a:spAutoFit/>
+          </a:bodyPr>
+          <a:lstStyle/>
+          <a:p>
+            <a:pPr algn="ctr"/>
+            <a:r>
+              <a:rPr lang="zh-CN" altLang="en-US" dirty="0" smtClean="0"/>
+              <a:t>被代理类</a:t>
             </a:r>
             <a:endParaRPr lang="zh-CN" altLang="en-US" dirty="0"/>
           </a:p>
@@ -4622,18 +4712,7 @@
                   </a:schemeClr>
                 </a:solidFill>
               </a:rPr>
-              <a:t>pass</a:t>
-            </a:r>
-            <a:r>
-              <a:rPr lang="en-US" altLang="zh-CN" sz="1600" b="1" dirty="0">
-                <a:solidFill>
-                  <a:schemeClr val="tx1">
-                    <a:lumMod val="95000"/>
-                    <a:lumOff val="5000"/>
-                  </a:schemeClr>
-                </a:solidFill>
-              </a:rPr>
-              <a:t>()</a:t>
+              <a:t>pass()</a:t>
             </a:r>
             <a:endParaRPr lang="zh-CN" altLang="en-US" sz="1600" b="1" dirty="0">
               <a:solidFill>
@@ -4915,18 +4994,7 @@
                   </a:schemeClr>
                 </a:solidFill>
               </a:rPr>
-              <a:t>invoke</a:t>
-            </a:r>
-            <a:r>
-              <a:rPr lang="en-US" altLang="zh-CN" sz="1600" b="1" dirty="0">
-                <a:solidFill>
-                  <a:schemeClr val="tx1">
-                    <a:lumMod val="95000"/>
-                    <a:lumOff val="5000"/>
-                  </a:schemeClr>
-                </a:solidFill>
-              </a:rPr>
-              <a:t>()</a:t>
+              <a:t>invoke()</a:t>
             </a:r>
             <a:endParaRPr lang="zh-CN" altLang="en-US" sz="1600" b="1" dirty="0">
               <a:solidFill>
@@ -5387,18 +5455,7 @@
                   </a:schemeClr>
                 </a:solidFill>
               </a:rPr>
-              <a:t>pass</a:t>
-            </a:r>
-            <a:r>
-              <a:rPr lang="en-US" altLang="zh-CN" sz="1600" b="1" dirty="0">
-                <a:solidFill>
-                  <a:schemeClr val="tx1">
-                    <a:lumMod val="95000"/>
-                    <a:lumOff val="5000"/>
-                  </a:schemeClr>
-                </a:solidFill>
-              </a:rPr>
-              <a:t>()</a:t>
+              <a:t>pass()</a:t>
             </a:r>
             <a:endParaRPr lang="zh-CN" altLang="en-US" sz="1600" b="1" dirty="0">
               <a:solidFill>
